--- a/Garbage Collector Game.pptx
+++ b/Garbage Collector Game.pptx
@@ -61,7 +61,7 @@
       </p:grpSpPr>
       <p:sp>
         <p:nvSpPr>
-          <p:cNvPr id="26" name="PlaceHolder 1"/>
+          <p:cNvPr id="23" name="PlaceHolder 1"/>
           <p:cNvSpPr>
             <a:spLocks noGrp="1"/>
           </p:cNvSpPr>
@@ -71,8 +71,8 @@
         </p:nvSpPr>
         <p:spPr>
           <a:xfrm>
-            <a:off x="732600" y="402480"/>
-            <a:ext cx="9189720" cy="1460880"/>
+            <a:off x="532440" y="301320"/>
+            <a:ext cx="9589320" cy="1261800"/>
           </a:xfrm>
           <a:prstGeom prst="rect">
             <a:avLst/>
@@ -81,13 +81,14 @@
         <p:txBody>
           <a:bodyPr lIns="0" rIns="0" tIns="0" bIns="0" anchor="ctr"/>
           <a:p>
-            <a:endParaRPr/>
-          </a:p>
-        </p:txBody>
-      </p:sp>
-      <p:sp>
-        <p:nvSpPr>
-          <p:cNvPr id="27" name="PlaceHolder 2"/>
+            <a:pPr algn="ctr"/>
+            <a:endParaRPr/>
+          </a:p>
+        </p:txBody>
+      </p:sp>
+      <p:sp>
+        <p:nvSpPr>
+          <p:cNvPr id="24" name="PlaceHolder 2"/>
           <p:cNvSpPr>
             <a:spLocks noGrp="1"/>
           </p:cNvSpPr>
@@ -97,8 +98,8 @@
         </p:nvSpPr>
         <p:spPr>
           <a:xfrm>
-            <a:off x="732600" y="2012400"/>
-            <a:ext cx="9189720" cy="2287800"/>
+            <a:off x="532440" y="1768680"/>
+            <a:ext cx="9589320" cy="2090880"/>
           </a:xfrm>
           <a:prstGeom prst="rect">
             <a:avLst/>
@@ -113,7 +114,7 @@
       </p:sp>
       <p:sp>
         <p:nvSpPr>
-          <p:cNvPr id="28" name="PlaceHolder 3"/>
+          <p:cNvPr id="25" name="PlaceHolder 3"/>
           <p:cNvSpPr>
             <a:spLocks noGrp="1"/>
           </p:cNvSpPr>
@@ -123,8 +124,8 @@
         </p:nvSpPr>
         <p:spPr>
           <a:xfrm>
-            <a:off x="732600" y="4518000"/>
-            <a:ext cx="9189720" cy="2287800"/>
+            <a:off x="532440" y="4058640"/>
+            <a:ext cx="9589320" cy="2090880"/>
           </a:xfrm>
           <a:prstGeom prst="rect">
             <a:avLst/>
@@ -161,7 +162,7 @@
       </p:grpSpPr>
       <p:sp>
         <p:nvSpPr>
-          <p:cNvPr id="29" name="PlaceHolder 1"/>
+          <p:cNvPr id="26" name="PlaceHolder 1"/>
           <p:cNvSpPr>
             <a:spLocks noGrp="1"/>
           </p:cNvSpPr>
@@ -171,8 +172,8 @@
         </p:nvSpPr>
         <p:spPr>
           <a:xfrm>
-            <a:off x="732600" y="402480"/>
-            <a:ext cx="9189720" cy="1460880"/>
+            <a:off x="532440" y="301320"/>
+            <a:ext cx="9589320" cy="1261800"/>
           </a:xfrm>
           <a:prstGeom prst="rect">
             <a:avLst/>
@@ -181,13 +182,14 @@
         <p:txBody>
           <a:bodyPr lIns="0" rIns="0" tIns="0" bIns="0" anchor="ctr"/>
           <a:p>
-            <a:endParaRPr/>
-          </a:p>
-        </p:txBody>
-      </p:sp>
-      <p:sp>
-        <p:nvSpPr>
-          <p:cNvPr id="30" name="PlaceHolder 2"/>
+            <a:pPr algn="ctr"/>
+            <a:endParaRPr/>
+          </a:p>
+        </p:txBody>
+      </p:sp>
+      <p:sp>
+        <p:nvSpPr>
+          <p:cNvPr id="27" name="PlaceHolder 2"/>
           <p:cNvSpPr>
             <a:spLocks noGrp="1"/>
           </p:cNvSpPr>
@@ -197,8 +199,8 @@
         </p:nvSpPr>
         <p:spPr>
           <a:xfrm>
-            <a:off x="732600" y="2012400"/>
-            <a:ext cx="4484520" cy="2287800"/>
+            <a:off x="532440" y="1768680"/>
+            <a:ext cx="4679280" cy="2090880"/>
           </a:xfrm>
           <a:prstGeom prst="rect">
             <a:avLst/>
@@ -213,7 +215,7 @@
       </p:sp>
       <p:sp>
         <p:nvSpPr>
-          <p:cNvPr id="31" name="PlaceHolder 3"/>
+          <p:cNvPr id="28" name="PlaceHolder 3"/>
           <p:cNvSpPr>
             <a:spLocks noGrp="1"/>
           </p:cNvSpPr>
@@ -223,8 +225,8 @@
         </p:nvSpPr>
         <p:spPr>
           <a:xfrm>
-            <a:off x="5441760" y="2012400"/>
-            <a:ext cx="4484520" cy="2287800"/>
+            <a:off x="5446080" y="1768680"/>
+            <a:ext cx="4679280" cy="2090880"/>
           </a:xfrm>
           <a:prstGeom prst="rect">
             <a:avLst/>
@@ -239,7 +241,7 @@
       </p:sp>
       <p:sp>
         <p:nvSpPr>
-          <p:cNvPr id="32" name="PlaceHolder 4"/>
+          <p:cNvPr id="29" name="PlaceHolder 4"/>
           <p:cNvSpPr>
             <a:spLocks noGrp="1"/>
           </p:cNvSpPr>
@@ -249,8 +251,8 @@
         </p:nvSpPr>
         <p:spPr>
           <a:xfrm>
-            <a:off x="5441760" y="4518000"/>
-            <a:ext cx="4484520" cy="2287800"/>
+            <a:off x="5446080" y="4058640"/>
+            <a:ext cx="4679280" cy="2090880"/>
           </a:xfrm>
           <a:prstGeom prst="rect">
             <a:avLst/>
@@ -265,7 +267,7 @@
       </p:sp>
       <p:sp>
         <p:nvSpPr>
-          <p:cNvPr id="33" name="PlaceHolder 5"/>
+          <p:cNvPr id="30" name="PlaceHolder 5"/>
           <p:cNvSpPr>
             <a:spLocks noGrp="1"/>
           </p:cNvSpPr>
@@ -275,8 +277,8 @@
         </p:nvSpPr>
         <p:spPr>
           <a:xfrm>
-            <a:off x="732600" y="4518000"/>
-            <a:ext cx="4484520" cy="2287800"/>
+            <a:off x="532440" y="4058640"/>
+            <a:ext cx="4679280" cy="2090880"/>
           </a:xfrm>
           <a:prstGeom prst="rect">
             <a:avLst/>
@@ -313,7 +315,7 @@
       </p:grpSpPr>
       <p:sp>
         <p:nvSpPr>
-          <p:cNvPr id="34" name="PlaceHolder 1"/>
+          <p:cNvPr id="31" name="PlaceHolder 1"/>
           <p:cNvSpPr>
             <a:spLocks noGrp="1"/>
           </p:cNvSpPr>
@@ -323,8 +325,8 @@
         </p:nvSpPr>
         <p:spPr>
           <a:xfrm>
-            <a:off x="732600" y="402480"/>
-            <a:ext cx="9189720" cy="1460880"/>
+            <a:off x="532440" y="301320"/>
+            <a:ext cx="9589320" cy="1261800"/>
           </a:xfrm>
           <a:prstGeom prst="rect">
             <a:avLst/>
@@ -333,13 +335,14 @@
         <p:txBody>
           <a:bodyPr lIns="0" rIns="0" tIns="0" bIns="0" anchor="ctr"/>
           <a:p>
-            <a:endParaRPr/>
-          </a:p>
-        </p:txBody>
-      </p:sp>
-      <p:sp>
-        <p:nvSpPr>
-          <p:cNvPr id="35" name="PlaceHolder 2"/>
+            <a:pPr algn="ctr"/>
+            <a:endParaRPr/>
+          </a:p>
+        </p:txBody>
+      </p:sp>
+      <p:sp>
+        <p:nvSpPr>
+          <p:cNvPr id="32" name="PlaceHolder 2"/>
           <p:cNvSpPr>
             <a:spLocks noGrp="1"/>
           </p:cNvSpPr>
@@ -349,8 +352,8 @@
         </p:nvSpPr>
         <p:spPr>
           <a:xfrm>
-            <a:off x="732600" y="2012400"/>
-            <a:ext cx="9189720" cy="4796280"/>
+            <a:off x="532440" y="1768680"/>
+            <a:ext cx="9589320" cy="4384080"/>
           </a:xfrm>
           <a:prstGeom prst="rect">
             <a:avLst/>
@@ -365,7 +368,7 @@
       </p:sp>
       <p:sp>
         <p:nvSpPr>
-          <p:cNvPr id="36" name="PlaceHolder 3"/>
+          <p:cNvPr id="33" name="PlaceHolder 3"/>
           <p:cNvSpPr>
             <a:spLocks noGrp="1"/>
           </p:cNvSpPr>
@@ -375,8 +378,8 @@
         </p:nvSpPr>
         <p:spPr>
           <a:xfrm>
-            <a:off x="732600" y="2012400"/>
-            <a:ext cx="9189720" cy="4796280"/>
+            <a:off x="532440" y="1768680"/>
+            <a:ext cx="9589320" cy="4384080"/>
           </a:xfrm>
           <a:prstGeom prst="rect">
             <a:avLst/>
@@ -391,7 +394,7 @@
       </p:sp>
       <p:pic>
         <p:nvPicPr>
-          <p:cNvPr id="37" name="" descr=""/>
+          <p:cNvPr id="34" name="" descr=""/>
           <p:cNvPicPr/>
           <p:nvPr/>
         </p:nvPicPr>
@@ -401,8 +404,8 @@
         </p:blipFill>
         <p:spPr>
           <a:xfrm>
-            <a:off x="2320560" y="2012040"/>
-            <a:ext cx="6013440" cy="4796280"/>
+            <a:off x="2578680" y="1768680"/>
+            <a:ext cx="5496480" cy="4384080"/>
           </a:xfrm>
           <a:prstGeom prst="rect">
             <a:avLst/>
@@ -414,7 +417,7 @@
       </p:pic>
       <p:pic>
         <p:nvPicPr>
-          <p:cNvPr id="38" name="" descr=""/>
+          <p:cNvPr id="35" name="" descr=""/>
           <p:cNvPicPr/>
           <p:nvPr/>
         </p:nvPicPr>
@@ -424,8 +427,8 @@
         </p:blipFill>
         <p:spPr>
           <a:xfrm>
-            <a:off x="2320560" y="2012040"/>
-            <a:ext cx="6013440" cy="4796280"/>
+            <a:off x="2578680" y="1768680"/>
+            <a:ext cx="5496480" cy="4384080"/>
           </a:xfrm>
           <a:prstGeom prst="rect">
             <a:avLst/>
@@ -481,7 +484,7 @@
       </p:grpSpPr>
       <p:sp>
         <p:nvSpPr>
-          <p:cNvPr id="44" name="PlaceHolder 1"/>
+          <p:cNvPr id="38" name="PlaceHolder 1"/>
           <p:cNvSpPr>
             <a:spLocks noGrp="1"/>
           </p:cNvSpPr>
@@ -491,8 +494,8 @@
         </p:nvSpPr>
         <p:spPr>
           <a:xfrm>
-            <a:off x="732600" y="402480"/>
-            <a:ext cx="9189720" cy="1460880"/>
+            <a:off x="532440" y="301320"/>
+            <a:ext cx="9589320" cy="1261800"/>
           </a:xfrm>
           <a:prstGeom prst="rect">
             <a:avLst/>
@@ -501,13 +504,14 @@
         <p:txBody>
           <a:bodyPr lIns="0" rIns="0" tIns="0" bIns="0" anchor="ctr"/>
           <a:p>
-            <a:endParaRPr/>
-          </a:p>
-        </p:txBody>
-      </p:sp>
-      <p:sp>
-        <p:nvSpPr>
-          <p:cNvPr id="45" name="PlaceHolder 2"/>
+            <a:pPr algn="ctr"/>
+            <a:endParaRPr/>
+          </a:p>
+        </p:txBody>
+      </p:sp>
+      <p:sp>
+        <p:nvSpPr>
+          <p:cNvPr id="39" name="PlaceHolder 2"/>
           <p:cNvSpPr>
             <a:spLocks noGrp="1"/>
           </p:cNvSpPr>
@@ -517,8 +521,8 @@
         </p:nvSpPr>
         <p:spPr>
           <a:xfrm>
-            <a:off x="732600" y="2012400"/>
-            <a:ext cx="9189720" cy="4796280"/>
+            <a:off x="532440" y="1768680"/>
+            <a:ext cx="9589320" cy="4384080"/>
           </a:xfrm>
           <a:prstGeom prst="rect">
             <a:avLst/>
@@ -556,7 +560,7 @@
       </p:grpSpPr>
       <p:sp>
         <p:nvSpPr>
-          <p:cNvPr id="46" name="PlaceHolder 1"/>
+          <p:cNvPr id="40" name="PlaceHolder 1"/>
           <p:cNvSpPr>
             <a:spLocks noGrp="1"/>
           </p:cNvSpPr>
@@ -566,8 +570,8 @@
         </p:nvSpPr>
         <p:spPr>
           <a:xfrm>
-            <a:off x="732600" y="402480"/>
-            <a:ext cx="9189720" cy="1460880"/>
+            <a:off x="532440" y="301320"/>
+            <a:ext cx="9589320" cy="1261800"/>
           </a:xfrm>
           <a:prstGeom prst="rect">
             <a:avLst/>
@@ -576,13 +580,14 @@
         <p:txBody>
           <a:bodyPr lIns="0" rIns="0" tIns="0" bIns="0" anchor="ctr"/>
           <a:p>
-            <a:endParaRPr/>
-          </a:p>
-        </p:txBody>
-      </p:sp>
-      <p:sp>
-        <p:nvSpPr>
-          <p:cNvPr id="47" name="PlaceHolder 2"/>
+            <a:pPr algn="ctr"/>
+            <a:endParaRPr/>
+          </a:p>
+        </p:txBody>
+      </p:sp>
+      <p:sp>
+        <p:nvSpPr>
+          <p:cNvPr id="41" name="PlaceHolder 2"/>
           <p:cNvSpPr>
             <a:spLocks noGrp="1"/>
           </p:cNvSpPr>
@@ -592,8 +597,8 @@
         </p:nvSpPr>
         <p:spPr>
           <a:xfrm>
-            <a:off x="732600" y="2012400"/>
-            <a:ext cx="9189720" cy="4796280"/>
+            <a:off x="532440" y="1768680"/>
+            <a:ext cx="9589320" cy="4384080"/>
           </a:xfrm>
           <a:prstGeom prst="rect">
             <a:avLst/>
@@ -630,7 +635,7 @@
       </p:grpSpPr>
       <p:sp>
         <p:nvSpPr>
-          <p:cNvPr id="48" name="PlaceHolder 1"/>
+          <p:cNvPr id="42" name="PlaceHolder 1"/>
           <p:cNvSpPr>
             <a:spLocks noGrp="1"/>
           </p:cNvSpPr>
@@ -640,8 +645,8 @@
         </p:nvSpPr>
         <p:spPr>
           <a:xfrm>
-            <a:off x="732600" y="402480"/>
-            <a:ext cx="9189720" cy="1460880"/>
+            <a:off x="532440" y="301320"/>
+            <a:ext cx="9589320" cy="1261800"/>
           </a:xfrm>
           <a:prstGeom prst="rect">
             <a:avLst/>
@@ -650,13 +655,14 @@
         <p:txBody>
           <a:bodyPr lIns="0" rIns="0" tIns="0" bIns="0" anchor="ctr"/>
           <a:p>
-            <a:endParaRPr/>
-          </a:p>
-        </p:txBody>
-      </p:sp>
-      <p:sp>
-        <p:nvSpPr>
-          <p:cNvPr id="49" name="PlaceHolder 2"/>
+            <a:pPr algn="ctr"/>
+            <a:endParaRPr/>
+          </a:p>
+        </p:txBody>
+      </p:sp>
+      <p:sp>
+        <p:nvSpPr>
+          <p:cNvPr id="43" name="PlaceHolder 2"/>
           <p:cNvSpPr>
             <a:spLocks noGrp="1"/>
           </p:cNvSpPr>
@@ -666,8 +672,8 @@
         </p:nvSpPr>
         <p:spPr>
           <a:xfrm>
-            <a:off x="732600" y="2012400"/>
-            <a:ext cx="4484520" cy="4796280"/>
+            <a:off x="532440" y="1768680"/>
+            <a:ext cx="4679280" cy="4384080"/>
           </a:xfrm>
           <a:prstGeom prst="rect">
             <a:avLst/>
@@ -682,7 +688,7 @@
       </p:sp>
       <p:sp>
         <p:nvSpPr>
-          <p:cNvPr id="50" name="PlaceHolder 3"/>
+          <p:cNvPr id="44" name="PlaceHolder 3"/>
           <p:cNvSpPr>
             <a:spLocks noGrp="1"/>
           </p:cNvSpPr>
@@ -692,8 +698,8 @@
         </p:nvSpPr>
         <p:spPr>
           <a:xfrm>
-            <a:off x="5441760" y="2012400"/>
-            <a:ext cx="4484520" cy="4796280"/>
+            <a:off x="5446080" y="1768680"/>
+            <a:ext cx="4679280" cy="4384080"/>
           </a:xfrm>
           <a:prstGeom prst="rect">
             <a:avLst/>
@@ -730,7 +736,7 @@
       </p:grpSpPr>
       <p:sp>
         <p:nvSpPr>
-          <p:cNvPr id="51" name="PlaceHolder 1"/>
+          <p:cNvPr id="45" name="PlaceHolder 1"/>
           <p:cNvSpPr>
             <a:spLocks noGrp="1"/>
           </p:cNvSpPr>
@@ -740,8 +746,8 @@
         </p:nvSpPr>
         <p:spPr>
           <a:xfrm>
-            <a:off x="732600" y="402480"/>
-            <a:ext cx="9189720" cy="1460880"/>
+            <a:off x="532440" y="301320"/>
+            <a:ext cx="9589320" cy="1261800"/>
           </a:xfrm>
           <a:prstGeom prst="rect">
             <a:avLst/>
@@ -750,6 +756,7 @@
         <p:txBody>
           <a:bodyPr lIns="0" rIns="0" tIns="0" bIns="0" anchor="ctr"/>
           <a:p>
+            <a:pPr algn="ctr"/>
             <a:endParaRPr/>
           </a:p>
         </p:txBody>
@@ -778,7 +785,7 @@
       </p:grpSpPr>
       <p:sp>
         <p:nvSpPr>
-          <p:cNvPr id="52" name="PlaceHolder 1"/>
+          <p:cNvPr id="46" name="PlaceHolder 1"/>
           <p:cNvSpPr>
             <a:spLocks noGrp="1"/>
           </p:cNvSpPr>
@@ -788,8 +795,8 @@
         </p:nvSpPr>
         <p:spPr>
           <a:xfrm>
-            <a:off x="732600" y="402480"/>
-            <a:ext cx="9189720" cy="6773040"/>
+            <a:off x="532440" y="301320"/>
+            <a:ext cx="9589320" cy="5850360"/>
           </a:xfrm>
           <a:prstGeom prst="rect">
             <a:avLst/>
@@ -827,7 +834,7 @@
       </p:grpSpPr>
       <p:sp>
         <p:nvSpPr>
-          <p:cNvPr id="53" name="PlaceHolder 1"/>
+          <p:cNvPr id="47" name="PlaceHolder 1"/>
           <p:cNvSpPr>
             <a:spLocks noGrp="1"/>
           </p:cNvSpPr>
@@ -837,8 +844,8 @@
         </p:nvSpPr>
         <p:spPr>
           <a:xfrm>
-            <a:off x="732600" y="402480"/>
-            <a:ext cx="9189720" cy="1460880"/>
+            <a:off x="532440" y="301320"/>
+            <a:ext cx="9589320" cy="1261800"/>
           </a:xfrm>
           <a:prstGeom prst="rect">
             <a:avLst/>
@@ -847,13 +854,14 @@
         <p:txBody>
           <a:bodyPr lIns="0" rIns="0" tIns="0" bIns="0" anchor="ctr"/>
           <a:p>
-            <a:endParaRPr/>
-          </a:p>
-        </p:txBody>
-      </p:sp>
-      <p:sp>
-        <p:nvSpPr>
-          <p:cNvPr id="54" name="PlaceHolder 2"/>
+            <a:pPr algn="ctr"/>
+            <a:endParaRPr/>
+          </a:p>
+        </p:txBody>
+      </p:sp>
+      <p:sp>
+        <p:nvSpPr>
+          <p:cNvPr id="48" name="PlaceHolder 2"/>
           <p:cNvSpPr>
             <a:spLocks noGrp="1"/>
           </p:cNvSpPr>
@@ -863,8 +871,8 @@
         </p:nvSpPr>
         <p:spPr>
           <a:xfrm>
-            <a:off x="732600" y="2012400"/>
-            <a:ext cx="4484520" cy="2287800"/>
+            <a:off x="532440" y="1768680"/>
+            <a:ext cx="4679280" cy="2090880"/>
           </a:xfrm>
           <a:prstGeom prst="rect">
             <a:avLst/>
@@ -879,7 +887,7 @@
       </p:sp>
       <p:sp>
         <p:nvSpPr>
-          <p:cNvPr id="55" name="PlaceHolder 3"/>
+          <p:cNvPr id="49" name="PlaceHolder 3"/>
           <p:cNvSpPr>
             <a:spLocks noGrp="1"/>
           </p:cNvSpPr>
@@ -889,8 +897,8 @@
         </p:nvSpPr>
         <p:spPr>
           <a:xfrm>
-            <a:off x="732600" y="4518000"/>
-            <a:ext cx="4484520" cy="2287800"/>
+            <a:off x="532440" y="4058640"/>
+            <a:ext cx="4679280" cy="2090880"/>
           </a:xfrm>
           <a:prstGeom prst="rect">
             <a:avLst/>
@@ -905,7 +913,7 @@
       </p:sp>
       <p:sp>
         <p:nvSpPr>
-          <p:cNvPr id="56" name="PlaceHolder 4"/>
+          <p:cNvPr id="50" name="PlaceHolder 4"/>
           <p:cNvSpPr>
             <a:spLocks noGrp="1"/>
           </p:cNvSpPr>
@@ -915,8 +923,8 @@
         </p:nvSpPr>
         <p:spPr>
           <a:xfrm>
-            <a:off x="5441760" y="2012400"/>
-            <a:ext cx="4484520" cy="4796280"/>
+            <a:off x="5446080" y="1768680"/>
+            <a:ext cx="4679280" cy="4384080"/>
           </a:xfrm>
           <a:prstGeom prst="rect">
             <a:avLst/>
@@ -953,7 +961,7 @@
       </p:grpSpPr>
       <p:sp>
         <p:nvSpPr>
-          <p:cNvPr id="5" name="PlaceHolder 1"/>
+          <p:cNvPr id="2" name="PlaceHolder 1"/>
           <p:cNvSpPr>
             <a:spLocks noGrp="1"/>
           </p:cNvSpPr>
@@ -963,8 +971,8 @@
         </p:nvSpPr>
         <p:spPr>
           <a:xfrm>
-            <a:off x="732600" y="402480"/>
-            <a:ext cx="9189720" cy="1460880"/>
+            <a:off x="532440" y="301320"/>
+            <a:ext cx="9589320" cy="1261800"/>
           </a:xfrm>
           <a:prstGeom prst="rect">
             <a:avLst/>
@@ -973,13 +981,14 @@
         <p:txBody>
           <a:bodyPr lIns="0" rIns="0" tIns="0" bIns="0" anchor="ctr"/>
           <a:p>
-            <a:endParaRPr/>
-          </a:p>
-        </p:txBody>
-      </p:sp>
-      <p:sp>
-        <p:nvSpPr>
-          <p:cNvPr id="6" name="PlaceHolder 2"/>
+            <a:pPr algn="ctr"/>
+            <a:endParaRPr/>
+          </a:p>
+        </p:txBody>
+      </p:sp>
+      <p:sp>
+        <p:nvSpPr>
+          <p:cNvPr id="3" name="PlaceHolder 2"/>
           <p:cNvSpPr>
             <a:spLocks noGrp="1"/>
           </p:cNvSpPr>
@@ -989,8 +998,8 @@
         </p:nvSpPr>
         <p:spPr>
           <a:xfrm>
-            <a:off x="732600" y="2012400"/>
-            <a:ext cx="9189720" cy="4796280"/>
+            <a:off x="532440" y="1768680"/>
+            <a:ext cx="9589320" cy="4384080"/>
           </a:xfrm>
           <a:prstGeom prst="rect">
             <a:avLst/>
@@ -1028,7 +1037,7 @@
       </p:grpSpPr>
       <p:sp>
         <p:nvSpPr>
-          <p:cNvPr id="57" name="PlaceHolder 1"/>
+          <p:cNvPr id="51" name="PlaceHolder 1"/>
           <p:cNvSpPr>
             <a:spLocks noGrp="1"/>
           </p:cNvSpPr>
@@ -1038,8 +1047,8 @@
         </p:nvSpPr>
         <p:spPr>
           <a:xfrm>
-            <a:off x="732600" y="402480"/>
-            <a:ext cx="9189720" cy="1460880"/>
+            <a:off x="532440" y="301320"/>
+            <a:ext cx="9589320" cy="1261800"/>
           </a:xfrm>
           <a:prstGeom prst="rect">
             <a:avLst/>
@@ -1048,13 +1057,14 @@
         <p:txBody>
           <a:bodyPr lIns="0" rIns="0" tIns="0" bIns="0" anchor="ctr"/>
           <a:p>
-            <a:endParaRPr/>
-          </a:p>
-        </p:txBody>
-      </p:sp>
-      <p:sp>
-        <p:nvSpPr>
-          <p:cNvPr id="58" name="PlaceHolder 2"/>
+            <a:pPr algn="ctr"/>
+            <a:endParaRPr/>
+          </a:p>
+        </p:txBody>
+      </p:sp>
+      <p:sp>
+        <p:nvSpPr>
+          <p:cNvPr id="52" name="PlaceHolder 2"/>
           <p:cNvSpPr>
             <a:spLocks noGrp="1"/>
           </p:cNvSpPr>
@@ -1064,8 +1074,8 @@
         </p:nvSpPr>
         <p:spPr>
           <a:xfrm>
-            <a:off x="732600" y="2012400"/>
-            <a:ext cx="4484520" cy="4796280"/>
+            <a:off x="532440" y="1768680"/>
+            <a:ext cx="4679280" cy="4384080"/>
           </a:xfrm>
           <a:prstGeom prst="rect">
             <a:avLst/>
@@ -1080,7 +1090,7 @@
       </p:sp>
       <p:sp>
         <p:nvSpPr>
-          <p:cNvPr id="59" name="PlaceHolder 3"/>
+          <p:cNvPr id="53" name="PlaceHolder 3"/>
           <p:cNvSpPr>
             <a:spLocks noGrp="1"/>
           </p:cNvSpPr>
@@ -1090,8 +1100,8 @@
         </p:nvSpPr>
         <p:spPr>
           <a:xfrm>
-            <a:off x="5441760" y="2012400"/>
-            <a:ext cx="4484520" cy="2287800"/>
+            <a:off x="5446080" y="1768680"/>
+            <a:ext cx="4679280" cy="2090880"/>
           </a:xfrm>
           <a:prstGeom prst="rect">
             <a:avLst/>
@@ -1106,7 +1116,7 @@
       </p:sp>
       <p:sp>
         <p:nvSpPr>
-          <p:cNvPr id="60" name="PlaceHolder 4"/>
+          <p:cNvPr id="54" name="PlaceHolder 4"/>
           <p:cNvSpPr>
             <a:spLocks noGrp="1"/>
           </p:cNvSpPr>
@@ -1116,8 +1126,8 @@
         </p:nvSpPr>
         <p:spPr>
           <a:xfrm>
-            <a:off x="5441760" y="4518000"/>
-            <a:ext cx="4484520" cy="2287800"/>
+            <a:off x="5446080" y="4058640"/>
+            <a:ext cx="4679280" cy="2090880"/>
           </a:xfrm>
           <a:prstGeom prst="rect">
             <a:avLst/>
@@ -1154,7 +1164,7 @@
       </p:grpSpPr>
       <p:sp>
         <p:nvSpPr>
-          <p:cNvPr id="61" name="PlaceHolder 1"/>
+          <p:cNvPr id="55" name="PlaceHolder 1"/>
           <p:cNvSpPr>
             <a:spLocks noGrp="1"/>
           </p:cNvSpPr>
@@ -1164,8 +1174,8 @@
         </p:nvSpPr>
         <p:spPr>
           <a:xfrm>
-            <a:off x="732600" y="402480"/>
-            <a:ext cx="9189720" cy="1460880"/>
+            <a:off x="532440" y="301320"/>
+            <a:ext cx="9589320" cy="1261800"/>
           </a:xfrm>
           <a:prstGeom prst="rect">
             <a:avLst/>
@@ -1174,13 +1184,14 @@
         <p:txBody>
           <a:bodyPr lIns="0" rIns="0" tIns="0" bIns="0" anchor="ctr"/>
           <a:p>
-            <a:endParaRPr/>
-          </a:p>
-        </p:txBody>
-      </p:sp>
-      <p:sp>
-        <p:nvSpPr>
-          <p:cNvPr id="62" name="PlaceHolder 2"/>
+            <a:pPr algn="ctr"/>
+            <a:endParaRPr/>
+          </a:p>
+        </p:txBody>
+      </p:sp>
+      <p:sp>
+        <p:nvSpPr>
+          <p:cNvPr id="56" name="PlaceHolder 2"/>
           <p:cNvSpPr>
             <a:spLocks noGrp="1"/>
           </p:cNvSpPr>
@@ -1190,8 +1201,8 @@
         </p:nvSpPr>
         <p:spPr>
           <a:xfrm>
-            <a:off x="732600" y="2012400"/>
-            <a:ext cx="4484520" cy="2287800"/>
+            <a:off x="532440" y="1768680"/>
+            <a:ext cx="4679280" cy="2090880"/>
           </a:xfrm>
           <a:prstGeom prst="rect">
             <a:avLst/>
@@ -1206,7 +1217,7 @@
       </p:sp>
       <p:sp>
         <p:nvSpPr>
-          <p:cNvPr id="63" name="PlaceHolder 3"/>
+          <p:cNvPr id="57" name="PlaceHolder 3"/>
           <p:cNvSpPr>
             <a:spLocks noGrp="1"/>
           </p:cNvSpPr>
@@ -1216,8 +1227,8 @@
         </p:nvSpPr>
         <p:spPr>
           <a:xfrm>
-            <a:off x="5441760" y="2012400"/>
-            <a:ext cx="4484520" cy="2287800"/>
+            <a:off x="5446080" y="1768680"/>
+            <a:ext cx="4679280" cy="2090880"/>
           </a:xfrm>
           <a:prstGeom prst="rect">
             <a:avLst/>
@@ -1232,7 +1243,7 @@
       </p:sp>
       <p:sp>
         <p:nvSpPr>
-          <p:cNvPr id="64" name="PlaceHolder 4"/>
+          <p:cNvPr id="58" name="PlaceHolder 4"/>
           <p:cNvSpPr>
             <a:spLocks noGrp="1"/>
           </p:cNvSpPr>
@@ -1242,8 +1253,8 @@
         </p:nvSpPr>
         <p:spPr>
           <a:xfrm>
-            <a:off x="732600" y="4518000"/>
-            <a:ext cx="9189720" cy="2287800"/>
+            <a:off x="532440" y="4058640"/>
+            <a:ext cx="9589320" cy="2090880"/>
           </a:xfrm>
           <a:prstGeom prst="rect">
             <a:avLst/>
@@ -1280,7 +1291,7 @@
       </p:grpSpPr>
       <p:sp>
         <p:nvSpPr>
-          <p:cNvPr id="65" name="PlaceHolder 1"/>
+          <p:cNvPr id="59" name="PlaceHolder 1"/>
           <p:cNvSpPr>
             <a:spLocks noGrp="1"/>
           </p:cNvSpPr>
@@ -1290,8 +1301,8 @@
         </p:nvSpPr>
         <p:spPr>
           <a:xfrm>
-            <a:off x="732600" y="402480"/>
-            <a:ext cx="9189720" cy="1460880"/>
+            <a:off x="532440" y="301320"/>
+            <a:ext cx="9589320" cy="1261800"/>
           </a:xfrm>
           <a:prstGeom prst="rect">
             <a:avLst/>
@@ -1300,13 +1311,14 @@
         <p:txBody>
           <a:bodyPr lIns="0" rIns="0" tIns="0" bIns="0" anchor="ctr"/>
           <a:p>
-            <a:endParaRPr/>
-          </a:p>
-        </p:txBody>
-      </p:sp>
-      <p:sp>
-        <p:nvSpPr>
-          <p:cNvPr id="66" name="PlaceHolder 2"/>
+            <a:pPr algn="ctr"/>
+            <a:endParaRPr/>
+          </a:p>
+        </p:txBody>
+      </p:sp>
+      <p:sp>
+        <p:nvSpPr>
+          <p:cNvPr id="60" name="PlaceHolder 2"/>
           <p:cNvSpPr>
             <a:spLocks noGrp="1"/>
           </p:cNvSpPr>
@@ -1316,8 +1328,8 @@
         </p:nvSpPr>
         <p:spPr>
           <a:xfrm>
-            <a:off x="732600" y="2012400"/>
-            <a:ext cx="9189720" cy="2287800"/>
+            <a:off x="532440" y="1768680"/>
+            <a:ext cx="9589320" cy="2090880"/>
           </a:xfrm>
           <a:prstGeom prst="rect">
             <a:avLst/>
@@ -1332,7 +1344,7 @@
       </p:sp>
       <p:sp>
         <p:nvSpPr>
-          <p:cNvPr id="67" name="PlaceHolder 3"/>
+          <p:cNvPr id="61" name="PlaceHolder 3"/>
           <p:cNvSpPr>
             <a:spLocks noGrp="1"/>
           </p:cNvSpPr>
@@ -1342,8 +1354,8 @@
         </p:nvSpPr>
         <p:spPr>
           <a:xfrm>
-            <a:off x="732600" y="4518000"/>
-            <a:ext cx="9189720" cy="2287800"/>
+            <a:off x="532440" y="4058640"/>
+            <a:ext cx="9589320" cy="2090880"/>
           </a:xfrm>
           <a:prstGeom prst="rect">
             <a:avLst/>
@@ -1380,7 +1392,7 @@
       </p:grpSpPr>
       <p:sp>
         <p:nvSpPr>
-          <p:cNvPr id="68" name="PlaceHolder 1"/>
+          <p:cNvPr id="62" name="PlaceHolder 1"/>
           <p:cNvSpPr>
             <a:spLocks noGrp="1"/>
           </p:cNvSpPr>
@@ -1390,8 +1402,8 @@
         </p:nvSpPr>
         <p:spPr>
           <a:xfrm>
-            <a:off x="732600" y="402480"/>
-            <a:ext cx="9189720" cy="1460880"/>
+            <a:off x="532440" y="301320"/>
+            <a:ext cx="9589320" cy="1261800"/>
           </a:xfrm>
           <a:prstGeom prst="rect">
             <a:avLst/>
@@ -1400,13 +1412,14 @@
         <p:txBody>
           <a:bodyPr lIns="0" rIns="0" tIns="0" bIns="0" anchor="ctr"/>
           <a:p>
-            <a:endParaRPr/>
-          </a:p>
-        </p:txBody>
-      </p:sp>
-      <p:sp>
-        <p:nvSpPr>
-          <p:cNvPr id="69" name="PlaceHolder 2"/>
+            <a:pPr algn="ctr"/>
+            <a:endParaRPr/>
+          </a:p>
+        </p:txBody>
+      </p:sp>
+      <p:sp>
+        <p:nvSpPr>
+          <p:cNvPr id="63" name="PlaceHolder 2"/>
           <p:cNvSpPr>
             <a:spLocks noGrp="1"/>
           </p:cNvSpPr>
@@ -1416,8 +1429,8 @@
         </p:nvSpPr>
         <p:spPr>
           <a:xfrm>
-            <a:off x="732600" y="2012400"/>
-            <a:ext cx="4484520" cy="2287800"/>
+            <a:off x="532440" y="1768680"/>
+            <a:ext cx="4679280" cy="2090880"/>
           </a:xfrm>
           <a:prstGeom prst="rect">
             <a:avLst/>
@@ -1432,7 +1445,7 @@
       </p:sp>
       <p:sp>
         <p:nvSpPr>
-          <p:cNvPr id="70" name="PlaceHolder 3"/>
+          <p:cNvPr id="64" name="PlaceHolder 3"/>
           <p:cNvSpPr>
             <a:spLocks noGrp="1"/>
           </p:cNvSpPr>
@@ -1442,8 +1455,8 @@
         </p:nvSpPr>
         <p:spPr>
           <a:xfrm>
-            <a:off x="5441760" y="2012400"/>
-            <a:ext cx="4484520" cy="2287800"/>
+            <a:off x="5446080" y="1768680"/>
+            <a:ext cx="4679280" cy="2090880"/>
           </a:xfrm>
           <a:prstGeom prst="rect">
             <a:avLst/>
@@ -1458,7 +1471,7 @@
       </p:sp>
       <p:sp>
         <p:nvSpPr>
-          <p:cNvPr id="71" name="PlaceHolder 4"/>
+          <p:cNvPr id="65" name="PlaceHolder 4"/>
           <p:cNvSpPr>
             <a:spLocks noGrp="1"/>
           </p:cNvSpPr>
@@ -1468,8 +1481,8 @@
         </p:nvSpPr>
         <p:spPr>
           <a:xfrm>
-            <a:off x="5441760" y="4518000"/>
-            <a:ext cx="4484520" cy="2287800"/>
+            <a:off x="5446080" y="4058640"/>
+            <a:ext cx="4679280" cy="2090880"/>
           </a:xfrm>
           <a:prstGeom prst="rect">
             <a:avLst/>
@@ -1484,7 +1497,7 @@
       </p:sp>
       <p:sp>
         <p:nvSpPr>
-          <p:cNvPr id="72" name="PlaceHolder 5"/>
+          <p:cNvPr id="66" name="PlaceHolder 5"/>
           <p:cNvSpPr>
             <a:spLocks noGrp="1"/>
           </p:cNvSpPr>
@@ -1494,8 +1507,8 @@
         </p:nvSpPr>
         <p:spPr>
           <a:xfrm>
-            <a:off x="732600" y="4518000"/>
-            <a:ext cx="4484520" cy="2287800"/>
+            <a:off x="532440" y="4058640"/>
+            <a:ext cx="4679280" cy="2090880"/>
           </a:xfrm>
           <a:prstGeom prst="rect">
             <a:avLst/>
@@ -1532,7 +1545,7 @@
       </p:grpSpPr>
       <p:sp>
         <p:nvSpPr>
-          <p:cNvPr id="73" name="PlaceHolder 1"/>
+          <p:cNvPr id="67" name="PlaceHolder 1"/>
           <p:cNvSpPr>
             <a:spLocks noGrp="1"/>
           </p:cNvSpPr>
@@ -1542,8 +1555,8 @@
         </p:nvSpPr>
         <p:spPr>
           <a:xfrm>
-            <a:off x="732600" y="402480"/>
-            <a:ext cx="9189720" cy="1460880"/>
+            <a:off x="532440" y="301320"/>
+            <a:ext cx="9589320" cy="1261800"/>
           </a:xfrm>
           <a:prstGeom prst="rect">
             <a:avLst/>
@@ -1552,13 +1565,14 @@
         <p:txBody>
           <a:bodyPr lIns="0" rIns="0" tIns="0" bIns="0" anchor="ctr"/>
           <a:p>
-            <a:endParaRPr/>
-          </a:p>
-        </p:txBody>
-      </p:sp>
-      <p:sp>
-        <p:nvSpPr>
-          <p:cNvPr id="74" name="PlaceHolder 2"/>
+            <a:pPr algn="ctr"/>
+            <a:endParaRPr/>
+          </a:p>
+        </p:txBody>
+      </p:sp>
+      <p:sp>
+        <p:nvSpPr>
+          <p:cNvPr id="68" name="PlaceHolder 2"/>
           <p:cNvSpPr>
             <a:spLocks noGrp="1"/>
           </p:cNvSpPr>
@@ -1568,8 +1582,8 @@
         </p:nvSpPr>
         <p:spPr>
           <a:xfrm>
-            <a:off x="732600" y="2012400"/>
-            <a:ext cx="9189720" cy="4796280"/>
+            <a:off x="532440" y="1768680"/>
+            <a:ext cx="9589320" cy="4384080"/>
           </a:xfrm>
           <a:prstGeom prst="rect">
             <a:avLst/>
@@ -1584,7 +1598,7 @@
       </p:sp>
       <p:sp>
         <p:nvSpPr>
-          <p:cNvPr id="75" name="PlaceHolder 3"/>
+          <p:cNvPr id="69" name="PlaceHolder 3"/>
           <p:cNvSpPr>
             <a:spLocks noGrp="1"/>
           </p:cNvSpPr>
@@ -1594,8 +1608,8 @@
         </p:nvSpPr>
         <p:spPr>
           <a:xfrm>
-            <a:off x="732600" y="2012400"/>
-            <a:ext cx="9189720" cy="4796280"/>
+            <a:off x="532440" y="1768680"/>
+            <a:ext cx="9589320" cy="4384080"/>
           </a:xfrm>
           <a:prstGeom prst="rect">
             <a:avLst/>
@@ -1610,7 +1624,7 @@
       </p:sp>
       <p:pic>
         <p:nvPicPr>
-          <p:cNvPr id="76" name="" descr=""/>
+          <p:cNvPr id="70" name="" descr=""/>
           <p:cNvPicPr/>
           <p:nvPr/>
         </p:nvPicPr>
@@ -1620,8 +1634,8 @@
         </p:blipFill>
         <p:spPr>
           <a:xfrm>
-            <a:off x="2320560" y="2012040"/>
-            <a:ext cx="6013440" cy="4796280"/>
+            <a:off x="2578680" y="1768680"/>
+            <a:ext cx="5496480" cy="4384080"/>
           </a:xfrm>
           <a:prstGeom prst="rect">
             <a:avLst/>
@@ -1633,7 +1647,7 @@
       </p:pic>
       <p:pic>
         <p:nvPicPr>
-          <p:cNvPr id="77" name="" descr=""/>
+          <p:cNvPr id="71" name="" descr=""/>
           <p:cNvPicPr/>
           <p:nvPr/>
         </p:nvPicPr>
@@ -1643,8 +1657,8 @@
         </p:blipFill>
         <p:spPr>
           <a:xfrm>
-            <a:off x="2320560" y="2012040"/>
-            <a:ext cx="6013440" cy="4796280"/>
+            <a:off x="2578680" y="1768680"/>
+            <a:ext cx="5496480" cy="4384080"/>
           </a:xfrm>
           <a:prstGeom prst="rect">
             <a:avLst/>
@@ -1678,7 +1692,7 @@
       </p:grpSpPr>
       <p:sp>
         <p:nvSpPr>
-          <p:cNvPr id="7" name="PlaceHolder 1"/>
+          <p:cNvPr id="4" name="PlaceHolder 1"/>
           <p:cNvSpPr>
             <a:spLocks noGrp="1"/>
           </p:cNvSpPr>
@@ -1688,8 +1702,8 @@
         </p:nvSpPr>
         <p:spPr>
           <a:xfrm>
-            <a:off x="732600" y="402480"/>
-            <a:ext cx="9189720" cy="1460880"/>
+            <a:off x="532440" y="301320"/>
+            <a:ext cx="9589320" cy="1261800"/>
           </a:xfrm>
           <a:prstGeom prst="rect">
             <a:avLst/>
@@ -1698,13 +1712,14 @@
         <p:txBody>
           <a:bodyPr lIns="0" rIns="0" tIns="0" bIns="0" anchor="ctr"/>
           <a:p>
-            <a:endParaRPr/>
-          </a:p>
-        </p:txBody>
-      </p:sp>
-      <p:sp>
-        <p:nvSpPr>
-          <p:cNvPr id="8" name="PlaceHolder 2"/>
+            <a:pPr algn="ctr"/>
+            <a:endParaRPr/>
+          </a:p>
+        </p:txBody>
+      </p:sp>
+      <p:sp>
+        <p:nvSpPr>
+          <p:cNvPr id="5" name="PlaceHolder 2"/>
           <p:cNvSpPr>
             <a:spLocks noGrp="1"/>
           </p:cNvSpPr>
@@ -1714,8 +1729,8 @@
         </p:nvSpPr>
         <p:spPr>
           <a:xfrm>
-            <a:off x="732600" y="2012400"/>
-            <a:ext cx="9189720" cy="4796280"/>
+            <a:off x="532440" y="1768680"/>
+            <a:ext cx="9589320" cy="4384080"/>
           </a:xfrm>
           <a:prstGeom prst="rect">
             <a:avLst/>
@@ -1752,7 +1767,7 @@
       </p:grpSpPr>
       <p:sp>
         <p:nvSpPr>
-          <p:cNvPr id="9" name="PlaceHolder 1"/>
+          <p:cNvPr id="6" name="PlaceHolder 1"/>
           <p:cNvSpPr>
             <a:spLocks noGrp="1"/>
           </p:cNvSpPr>
@@ -1762,8 +1777,8 @@
         </p:nvSpPr>
         <p:spPr>
           <a:xfrm>
-            <a:off x="732600" y="402480"/>
-            <a:ext cx="9189720" cy="1460880"/>
+            <a:off x="532440" y="301320"/>
+            <a:ext cx="9589320" cy="1261800"/>
           </a:xfrm>
           <a:prstGeom prst="rect">
             <a:avLst/>
@@ -1772,13 +1787,14 @@
         <p:txBody>
           <a:bodyPr lIns="0" rIns="0" tIns="0" bIns="0" anchor="ctr"/>
           <a:p>
-            <a:endParaRPr/>
-          </a:p>
-        </p:txBody>
-      </p:sp>
-      <p:sp>
-        <p:nvSpPr>
-          <p:cNvPr id="10" name="PlaceHolder 2"/>
+            <a:pPr algn="ctr"/>
+            <a:endParaRPr/>
+          </a:p>
+        </p:txBody>
+      </p:sp>
+      <p:sp>
+        <p:nvSpPr>
+          <p:cNvPr id="7" name="PlaceHolder 2"/>
           <p:cNvSpPr>
             <a:spLocks noGrp="1"/>
           </p:cNvSpPr>
@@ -1788,8 +1804,8 @@
         </p:nvSpPr>
         <p:spPr>
           <a:xfrm>
-            <a:off x="732600" y="2012400"/>
-            <a:ext cx="4484520" cy="4796280"/>
+            <a:off x="532440" y="1768680"/>
+            <a:ext cx="4679280" cy="4384080"/>
           </a:xfrm>
           <a:prstGeom prst="rect">
             <a:avLst/>
@@ -1804,7 +1820,7 @@
       </p:sp>
       <p:sp>
         <p:nvSpPr>
-          <p:cNvPr id="11" name="PlaceHolder 3"/>
+          <p:cNvPr id="8" name="PlaceHolder 3"/>
           <p:cNvSpPr>
             <a:spLocks noGrp="1"/>
           </p:cNvSpPr>
@@ -1814,8 +1830,8 @@
         </p:nvSpPr>
         <p:spPr>
           <a:xfrm>
-            <a:off x="5441760" y="2012400"/>
-            <a:ext cx="4484520" cy="4796280"/>
+            <a:off x="5446080" y="1768680"/>
+            <a:ext cx="4679280" cy="4384080"/>
           </a:xfrm>
           <a:prstGeom prst="rect">
             <a:avLst/>
@@ -1852,7 +1868,7 @@
       </p:grpSpPr>
       <p:sp>
         <p:nvSpPr>
-          <p:cNvPr id="12" name="PlaceHolder 1"/>
+          <p:cNvPr id="9" name="PlaceHolder 1"/>
           <p:cNvSpPr>
             <a:spLocks noGrp="1"/>
           </p:cNvSpPr>
@@ -1862,8 +1878,8 @@
         </p:nvSpPr>
         <p:spPr>
           <a:xfrm>
-            <a:off x="732600" y="402480"/>
-            <a:ext cx="9189720" cy="1460880"/>
+            <a:off x="532440" y="301320"/>
+            <a:ext cx="9589320" cy="1261800"/>
           </a:xfrm>
           <a:prstGeom prst="rect">
             <a:avLst/>
@@ -1872,6 +1888,7 @@
         <p:txBody>
           <a:bodyPr lIns="0" rIns="0" tIns="0" bIns="0" anchor="ctr"/>
           <a:p>
+            <a:pPr algn="ctr"/>
             <a:endParaRPr/>
           </a:p>
         </p:txBody>
@@ -1900,7 +1917,7 @@
       </p:grpSpPr>
       <p:sp>
         <p:nvSpPr>
-          <p:cNvPr id="13" name="PlaceHolder 1"/>
+          <p:cNvPr id="10" name="PlaceHolder 1"/>
           <p:cNvSpPr>
             <a:spLocks noGrp="1"/>
           </p:cNvSpPr>
@@ -1910,8 +1927,8 @@
         </p:nvSpPr>
         <p:spPr>
           <a:xfrm>
-            <a:off x="732600" y="402480"/>
-            <a:ext cx="9189720" cy="6773040"/>
+            <a:off x="532440" y="301320"/>
+            <a:ext cx="9589320" cy="5850360"/>
           </a:xfrm>
           <a:prstGeom prst="rect">
             <a:avLst/>
@@ -1949,7 +1966,7 @@
       </p:grpSpPr>
       <p:sp>
         <p:nvSpPr>
-          <p:cNvPr id="14" name="PlaceHolder 1"/>
+          <p:cNvPr id="11" name="PlaceHolder 1"/>
           <p:cNvSpPr>
             <a:spLocks noGrp="1"/>
           </p:cNvSpPr>
@@ -1959,8 +1976,8 @@
         </p:nvSpPr>
         <p:spPr>
           <a:xfrm>
-            <a:off x="732600" y="402480"/>
-            <a:ext cx="9189720" cy="1460880"/>
+            <a:off x="532440" y="301320"/>
+            <a:ext cx="9589320" cy="1261800"/>
           </a:xfrm>
           <a:prstGeom prst="rect">
             <a:avLst/>
@@ -1969,13 +1986,14 @@
         <p:txBody>
           <a:bodyPr lIns="0" rIns="0" tIns="0" bIns="0" anchor="ctr"/>
           <a:p>
-            <a:endParaRPr/>
-          </a:p>
-        </p:txBody>
-      </p:sp>
-      <p:sp>
-        <p:nvSpPr>
-          <p:cNvPr id="15" name="PlaceHolder 2"/>
+            <a:pPr algn="ctr"/>
+            <a:endParaRPr/>
+          </a:p>
+        </p:txBody>
+      </p:sp>
+      <p:sp>
+        <p:nvSpPr>
+          <p:cNvPr id="12" name="PlaceHolder 2"/>
           <p:cNvSpPr>
             <a:spLocks noGrp="1"/>
           </p:cNvSpPr>
@@ -1985,8 +2003,8 @@
         </p:nvSpPr>
         <p:spPr>
           <a:xfrm>
-            <a:off x="732600" y="2012400"/>
-            <a:ext cx="4484520" cy="2287800"/>
+            <a:off x="532440" y="1768680"/>
+            <a:ext cx="4679280" cy="2090880"/>
           </a:xfrm>
           <a:prstGeom prst="rect">
             <a:avLst/>
@@ -2001,7 +2019,7 @@
       </p:sp>
       <p:sp>
         <p:nvSpPr>
-          <p:cNvPr id="16" name="PlaceHolder 3"/>
+          <p:cNvPr id="13" name="PlaceHolder 3"/>
           <p:cNvSpPr>
             <a:spLocks noGrp="1"/>
           </p:cNvSpPr>
@@ -2011,8 +2029,8 @@
         </p:nvSpPr>
         <p:spPr>
           <a:xfrm>
-            <a:off x="732600" y="4518000"/>
-            <a:ext cx="4484520" cy="2287800"/>
+            <a:off x="532440" y="4058640"/>
+            <a:ext cx="4679280" cy="2090880"/>
           </a:xfrm>
           <a:prstGeom prst="rect">
             <a:avLst/>
@@ -2027,7 +2045,7 @@
       </p:sp>
       <p:sp>
         <p:nvSpPr>
-          <p:cNvPr id="17" name="PlaceHolder 4"/>
+          <p:cNvPr id="14" name="PlaceHolder 4"/>
           <p:cNvSpPr>
             <a:spLocks noGrp="1"/>
           </p:cNvSpPr>
@@ -2037,8 +2055,8 @@
         </p:nvSpPr>
         <p:spPr>
           <a:xfrm>
-            <a:off x="5441760" y="2012400"/>
-            <a:ext cx="4484520" cy="4796280"/>
+            <a:off x="5446080" y="1768680"/>
+            <a:ext cx="4679280" cy="4384080"/>
           </a:xfrm>
           <a:prstGeom prst="rect">
             <a:avLst/>
@@ -2075,7 +2093,7 @@
       </p:grpSpPr>
       <p:sp>
         <p:nvSpPr>
-          <p:cNvPr id="18" name="PlaceHolder 1"/>
+          <p:cNvPr id="15" name="PlaceHolder 1"/>
           <p:cNvSpPr>
             <a:spLocks noGrp="1"/>
           </p:cNvSpPr>
@@ -2085,8 +2103,8 @@
         </p:nvSpPr>
         <p:spPr>
           <a:xfrm>
-            <a:off x="732600" y="402480"/>
-            <a:ext cx="9189720" cy="1460880"/>
+            <a:off x="532440" y="301320"/>
+            <a:ext cx="9589320" cy="1261800"/>
           </a:xfrm>
           <a:prstGeom prst="rect">
             <a:avLst/>
@@ -2095,13 +2113,14 @@
         <p:txBody>
           <a:bodyPr lIns="0" rIns="0" tIns="0" bIns="0" anchor="ctr"/>
           <a:p>
-            <a:endParaRPr/>
-          </a:p>
-        </p:txBody>
-      </p:sp>
-      <p:sp>
-        <p:nvSpPr>
-          <p:cNvPr id="19" name="PlaceHolder 2"/>
+            <a:pPr algn="ctr"/>
+            <a:endParaRPr/>
+          </a:p>
+        </p:txBody>
+      </p:sp>
+      <p:sp>
+        <p:nvSpPr>
+          <p:cNvPr id="16" name="PlaceHolder 2"/>
           <p:cNvSpPr>
             <a:spLocks noGrp="1"/>
           </p:cNvSpPr>
@@ -2111,8 +2130,8 @@
         </p:nvSpPr>
         <p:spPr>
           <a:xfrm>
-            <a:off x="732600" y="2012400"/>
-            <a:ext cx="4484520" cy="4796280"/>
+            <a:off x="532440" y="1768680"/>
+            <a:ext cx="4679280" cy="4384080"/>
           </a:xfrm>
           <a:prstGeom prst="rect">
             <a:avLst/>
@@ -2127,7 +2146,7 @@
       </p:sp>
       <p:sp>
         <p:nvSpPr>
-          <p:cNvPr id="20" name="PlaceHolder 3"/>
+          <p:cNvPr id="17" name="PlaceHolder 3"/>
           <p:cNvSpPr>
             <a:spLocks noGrp="1"/>
           </p:cNvSpPr>
@@ -2137,8 +2156,8 @@
         </p:nvSpPr>
         <p:spPr>
           <a:xfrm>
-            <a:off x="5441760" y="2012400"/>
-            <a:ext cx="4484520" cy="2287800"/>
+            <a:off x="5446080" y="1768680"/>
+            <a:ext cx="4679280" cy="2090880"/>
           </a:xfrm>
           <a:prstGeom prst="rect">
             <a:avLst/>
@@ -2153,7 +2172,7 @@
       </p:sp>
       <p:sp>
         <p:nvSpPr>
-          <p:cNvPr id="21" name="PlaceHolder 4"/>
+          <p:cNvPr id="18" name="PlaceHolder 4"/>
           <p:cNvSpPr>
             <a:spLocks noGrp="1"/>
           </p:cNvSpPr>
@@ -2163,8 +2182,8 @@
         </p:nvSpPr>
         <p:spPr>
           <a:xfrm>
-            <a:off x="5441760" y="4518000"/>
-            <a:ext cx="4484520" cy="2287800"/>
+            <a:off x="5446080" y="4058640"/>
+            <a:ext cx="4679280" cy="2090880"/>
           </a:xfrm>
           <a:prstGeom prst="rect">
             <a:avLst/>
@@ -2201,7 +2220,7 @@
       </p:grpSpPr>
       <p:sp>
         <p:nvSpPr>
-          <p:cNvPr id="22" name="PlaceHolder 1"/>
+          <p:cNvPr id="19" name="PlaceHolder 1"/>
           <p:cNvSpPr>
             <a:spLocks noGrp="1"/>
           </p:cNvSpPr>
@@ -2211,8 +2230,8 @@
         </p:nvSpPr>
         <p:spPr>
           <a:xfrm>
-            <a:off x="732600" y="402480"/>
-            <a:ext cx="9189720" cy="1460880"/>
+            <a:off x="532440" y="301320"/>
+            <a:ext cx="9589320" cy="1261800"/>
           </a:xfrm>
           <a:prstGeom prst="rect">
             <a:avLst/>
@@ -2221,13 +2240,14 @@
         <p:txBody>
           <a:bodyPr lIns="0" rIns="0" tIns="0" bIns="0" anchor="ctr"/>
           <a:p>
-            <a:endParaRPr/>
-          </a:p>
-        </p:txBody>
-      </p:sp>
-      <p:sp>
-        <p:nvSpPr>
-          <p:cNvPr id="23" name="PlaceHolder 2"/>
+            <a:pPr algn="ctr"/>
+            <a:endParaRPr/>
+          </a:p>
+        </p:txBody>
+      </p:sp>
+      <p:sp>
+        <p:nvSpPr>
+          <p:cNvPr id="20" name="PlaceHolder 2"/>
           <p:cNvSpPr>
             <a:spLocks noGrp="1"/>
           </p:cNvSpPr>
@@ -2237,8 +2257,8 @@
         </p:nvSpPr>
         <p:spPr>
           <a:xfrm>
-            <a:off x="732600" y="2012400"/>
-            <a:ext cx="4484520" cy="2287800"/>
+            <a:off x="532440" y="1768680"/>
+            <a:ext cx="4679280" cy="2090880"/>
           </a:xfrm>
           <a:prstGeom prst="rect">
             <a:avLst/>
@@ -2253,7 +2273,7 @@
       </p:sp>
       <p:sp>
         <p:nvSpPr>
-          <p:cNvPr id="24" name="PlaceHolder 3"/>
+          <p:cNvPr id="21" name="PlaceHolder 3"/>
           <p:cNvSpPr>
             <a:spLocks noGrp="1"/>
           </p:cNvSpPr>
@@ -2263,8 +2283,8 @@
         </p:nvSpPr>
         <p:spPr>
           <a:xfrm>
-            <a:off x="5441760" y="2012400"/>
-            <a:ext cx="4484520" cy="2287800"/>
+            <a:off x="5446080" y="1768680"/>
+            <a:ext cx="4679280" cy="2090880"/>
           </a:xfrm>
           <a:prstGeom prst="rect">
             <a:avLst/>
@@ -2279,7 +2299,7 @@
       </p:sp>
       <p:sp>
         <p:nvSpPr>
-          <p:cNvPr id="25" name="PlaceHolder 4"/>
+          <p:cNvPr id="22" name="PlaceHolder 4"/>
           <p:cNvSpPr>
             <a:spLocks noGrp="1"/>
           </p:cNvSpPr>
@@ -2289,8 +2309,8 @@
         </p:nvSpPr>
         <p:spPr>
           <a:xfrm>
-            <a:off x="732600" y="4518000"/>
-            <a:ext cx="9189720" cy="2287800"/>
+            <a:off x="532440" y="4058640"/>
+            <a:ext cx="9589320" cy="2090880"/>
           </a:xfrm>
           <a:prstGeom prst="rect">
             <a:avLst/>
@@ -2344,29 +2364,21 @@
         </p:nvSpPr>
         <p:spPr>
           <a:xfrm>
-            <a:off x="799200" y="1237320"/>
-            <a:ext cx="9056520" cy="2631600"/>
-          </a:xfrm>
-          <a:prstGeom prst="rect">
-            <a:avLst/>
-          </a:prstGeom>
-        </p:spPr>
-        <p:txBody>
-          <a:bodyPr anchor="b"/>
-          <a:p>
-            <a:pPr algn="ctr">
-              <a:lnSpc>
-                <a:spcPct val="100000"/>
-              </a:lnSpc>
-            </a:pPr>
-            <a:r>
-              <a:rPr lang="ru-RU" sz="6619" strike="noStrike">
-                <a:solidFill>
-                  <a:srgbClr val="000000"/>
-                </a:solidFill>
-                <a:latin typeface="Calibri Light"/>
-              </a:rPr>
-              <a:t>Click to edit the title text formatОбразец заголовка</a:t>
+            <a:off x="732600" y="402480"/>
+            <a:ext cx="9189360" cy="1460520"/>
+          </a:xfrm>
+          <a:prstGeom prst="rect">
+            <a:avLst/>
+          </a:prstGeom>
+        </p:spPr>
+        <p:txBody>
+          <a:bodyPr lIns="0" rIns="0" tIns="0" bIns="0" anchor="ctr"/>
+          <a:p>
+            <a:r>
+              <a:rPr lang="en-US">
+                <a:latin typeface="Arial"/>
+              </a:rPr>
+              <a:t>Click to edit the title text format</a:t>
             </a:r>
             <a:endParaRPr/>
           </a:p>
@@ -2375,112 +2387,6 @@
       <p:sp>
         <p:nvSpPr>
           <p:cNvPr id="1" name="PlaceHolder 2"/>
-          <p:cNvSpPr>
-            <a:spLocks noGrp="1"/>
-          </p:cNvSpPr>
-          <p:nvPr>
-            <p:ph type="dt"/>
-          </p:nvPr>
-        </p:nvSpPr>
-        <p:spPr>
-          <a:xfrm>
-            <a:off x="732600" y="7006680"/>
-            <a:ext cx="2397240" cy="402120"/>
-          </a:xfrm>
-          <a:prstGeom prst="rect">
-            <a:avLst/>
-          </a:prstGeom>
-        </p:spPr>
-        <p:txBody>
-          <a:bodyPr anchor="ctr"/>
-          <a:p>
-            <a:pPr>
-              <a:lnSpc>
-                <a:spcPct val="100000"/>
-              </a:lnSpc>
-            </a:pPr>
-            <a:r>
-              <a:rPr lang="en-US" sz="1330" strike="noStrike">
-                <a:solidFill>
-                  <a:srgbClr val="8b8b8b"/>
-                </a:solidFill>
-                <a:latin typeface="Calibri"/>
-              </a:rPr>
-              <a:t>10/11/14</a:t>
-            </a:r>
-            <a:endParaRPr/>
-          </a:p>
-        </p:txBody>
-      </p:sp>
-      <p:sp>
-        <p:nvSpPr>
-          <p:cNvPr id="2" name="PlaceHolder 3"/>
-          <p:cNvSpPr>
-            <a:spLocks noGrp="1"/>
-          </p:cNvSpPr>
-          <p:nvPr>
-            <p:ph type="ftr"/>
-          </p:nvPr>
-        </p:nvSpPr>
-        <p:spPr>
-          <a:xfrm>
-            <a:off x="3529440" y="7006680"/>
-            <a:ext cx="3595680" cy="402120"/>
-          </a:xfrm>
-          <a:prstGeom prst="rect">
-            <a:avLst/>
-          </a:prstGeom>
-        </p:spPr>
-        <p:txBody>
-          <a:bodyPr anchor="ctr"/>
-          <a:p>
-            <a:endParaRPr/>
-          </a:p>
-        </p:txBody>
-      </p:sp>
-      <p:sp>
-        <p:nvSpPr>
-          <p:cNvPr id="3" name="PlaceHolder 4"/>
-          <p:cNvSpPr>
-            <a:spLocks noGrp="1"/>
-          </p:cNvSpPr>
-          <p:nvPr>
-            <p:ph type="sldNum"/>
-          </p:nvPr>
-        </p:nvSpPr>
-        <p:spPr>
-          <a:xfrm>
-            <a:off x="7525440" y="7006680"/>
-            <a:ext cx="2397240" cy="402120"/>
-          </a:xfrm>
-          <a:prstGeom prst="rect">
-            <a:avLst/>
-          </a:prstGeom>
-        </p:spPr>
-        <p:txBody>
-          <a:bodyPr anchor="ctr"/>
-          <a:p>
-            <a:pPr algn="r">
-              <a:lnSpc>
-                <a:spcPct val="100000"/>
-              </a:lnSpc>
-            </a:pPr>
-            <a:fld id="{305E1C7A-DEA4-4682-BAC4-AC70900E9379}" type="slidenum">
-              <a:rPr lang="en-US" sz="1330" strike="noStrike">
-                <a:solidFill>
-                  <a:srgbClr val="8b8b8b"/>
-                </a:solidFill>
-                <a:latin typeface="Calibri"/>
-              </a:rPr>
-              <a:t>&lt;number&gt;</a:t>
-            </a:fld>
-            <a:endParaRPr/>
-          </a:p>
-        </p:txBody>
-      </p:sp>
-      <p:sp>
-        <p:nvSpPr>
-          <p:cNvPr id="4" name="PlaceHolder 5"/>
           <p:cNvSpPr>
             <a:spLocks noGrp="1"/>
           </p:cNvSpPr>
@@ -2506,8 +2412,8 @@
               <a:buChar char=""/>
             </a:pPr>
             <a:r>
-              <a:rPr lang="ru-RU" sz="3090">
-                <a:latin typeface="Calibri"/>
+              <a:rPr lang="en-US" sz="3200">
+                <a:latin typeface="Arial"/>
               </a:rPr>
               <a:t>Click to edit the outline text format</a:t>
             </a:r>
@@ -2520,8 +2426,8 @@
               <a:buChar char=""/>
             </a:pPr>
             <a:r>
-              <a:rPr lang="ru-RU" sz="2210">
-                <a:latin typeface="Calibri"/>
+              <a:rPr lang="en-US" sz="2800">
+                <a:latin typeface="Arial"/>
               </a:rPr>
               <a:t>Second Outline Level</a:t>
             </a:r>
@@ -2534,8 +2440,8 @@
               <a:buChar char=""/>
             </a:pPr>
             <a:r>
-              <a:rPr lang="ru-RU" sz="1990">
-                <a:latin typeface="Calibri"/>
+              <a:rPr lang="en-US" sz="2400">
+                <a:latin typeface="Arial"/>
               </a:rPr>
               <a:t>Third Outline Level</a:t>
             </a:r>
@@ -2548,8 +2454,8 @@
               <a:buChar char=""/>
             </a:pPr>
             <a:r>
-              <a:rPr lang="ru-RU" sz="1990">
-                <a:latin typeface="Calibri"/>
+              <a:rPr lang="en-US" sz="2000">
+                <a:latin typeface="Arial"/>
               </a:rPr>
               <a:t>Fourth Outline Level</a:t>
             </a:r>
@@ -2562,8 +2468,8 @@
               <a:buChar char=""/>
             </a:pPr>
             <a:r>
-              <a:rPr lang="ru-RU" sz="2000">
-                <a:latin typeface="Calibri"/>
+              <a:rPr lang="en-US" sz="2000">
+                <a:latin typeface="Arial"/>
               </a:rPr>
               <a:t>Fifth Outline Level</a:t>
             </a:r>
@@ -2576,8 +2482,8 @@
               <a:buChar char=""/>
             </a:pPr>
             <a:r>
-              <a:rPr lang="ru-RU" sz="2000">
-                <a:latin typeface="Calibri"/>
+              <a:rPr lang="en-US" sz="2000">
+                <a:latin typeface="Arial"/>
               </a:rPr>
               <a:t>Sixth Outline Level</a:t>
             </a:r>
@@ -2590,8 +2496,8 @@
               <a:buChar char=""/>
             </a:pPr>
             <a:r>
-              <a:rPr lang="ru-RU" sz="2000">
-                <a:latin typeface="Calibri"/>
+              <a:rPr lang="en-US" sz="2000">
+                <a:latin typeface="Arial"/>
               </a:rPr>
               <a:t>Seventh Outline Level</a:t>
             </a:r>
@@ -2645,7 +2551,7 @@
       </p:grpSpPr>
       <p:sp>
         <p:nvSpPr>
-          <p:cNvPr id="39" name="PlaceHolder 1"/>
+          <p:cNvPr id="36" name="PlaceHolder 1"/>
           <p:cNvSpPr>
             <a:spLocks noGrp="1"/>
           </p:cNvSpPr>
@@ -2655,37 +2561,30 @@
         </p:nvSpPr>
         <p:spPr>
           <a:xfrm>
-            <a:off x="732600" y="402480"/>
-            <a:ext cx="9189720" cy="1460880"/>
-          </a:xfrm>
-          <a:prstGeom prst="rect">
-            <a:avLst/>
-          </a:prstGeom>
-        </p:spPr>
-        <p:txBody>
-          <a:bodyPr anchor="ctr"/>
-          <a:p>
-            <a:pPr>
-              <a:lnSpc>
-                <a:spcPct val="90000"/>
-              </a:lnSpc>
-            </a:pPr>
-            <a:r>
-              <a:rPr lang="ru-RU" sz="4850" strike="noStrike">
-                <a:solidFill>
-                  <a:srgbClr val="000000"/>
-                </a:solidFill>
-                <a:latin typeface="Calibri Light"/>
-              </a:rPr>
-              <a:t>Click to edit the title text formatОбразец заголовка</a:t>
-            </a:r>
-            <a:endParaRPr/>
-          </a:p>
-        </p:txBody>
-      </p:sp>
-      <p:sp>
-        <p:nvSpPr>
-          <p:cNvPr id="40" name="PlaceHolder 2"/>
+            <a:off x="532440" y="301320"/>
+            <a:ext cx="9589320" cy="1261800"/>
+          </a:xfrm>
+          <a:prstGeom prst="rect">
+            <a:avLst/>
+          </a:prstGeom>
+        </p:spPr>
+        <p:txBody>
+          <a:bodyPr lIns="0" rIns="0" tIns="0" bIns="0" anchor="ctr"/>
+          <a:p>
+            <a:pPr algn="ctr"/>
+            <a:r>
+              <a:rPr lang="en-US" sz="4400">
+                <a:latin typeface="Arial"/>
+              </a:rPr>
+              <a:t>Click to edit the title text format</a:t>
+            </a:r>
+            <a:endParaRPr/>
+          </a:p>
+        </p:txBody>
+      </p:sp>
+      <p:sp>
+        <p:nvSpPr>
+          <p:cNvPr id="37" name="PlaceHolder 2"/>
           <p:cNvSpPr>
             <a:spLocks noGrp="1"/>
           </p:cNvSpPr>
@@ -2695,15 +2594,15 @@
         </p:nvSpPr>
         <p:spPr>
           <a:xfrm>
-            <a:off x="732600" y="2012400"/>
-            <a:ext cx="9189720" cy="4796280"/>
-          </a:xfrm>
-          <a:prstGeom prst="rect">
-            <a:avLst/>
-          </a:prstGeom>
-        </p:spPr>
-        <p:txBody>
-          <a:bodyPr/>
+            <a:off x="532440" y="1768680"/>
+            <a:ext cx="9589320" cy="4384080"/>
+          </a:xfrm>
+          <a:prstGeom prst="rect">
+            <a:avLst/>
+          </a:prstGeom>
+        </p:spPr>
+        <p:txBody>
+          <a:bodyPr lIns="0" rIns="0" tIns="0" bIns="0"/>
           <a:p>
             <a:pPr>
               <a:buSzPct val="45000"/>
@@ -2711,11 +2610,8 @@
               <a:buChar char=""/>
             </a:pPr>
             <a:r>
-              <a:rPr lang="ru-RU" sz="3090" strike="noStrike">
-                <a:solidFill>
-                  <a:srgbClr val="000000"/>
-                </a:solidFill>
-                <a:latin typeface="Calibri"/>
+              <a:rPr lang="en-US" sz="3200">
+                <a:latin typeface="Arial"/>
               </a:rPr>
               <a:t>Click to edit the outline text format</a:t>
             </a:r>
@@ -2728,11 +2624,8 @@
               <a:buChar char=""/>
             </a:pPr>
             <a:r>
-              <a:rPr lang="ru-RU" sz="3090" strike="noStrike">
-                <a:solidFill>
-                  <a:srgbClr val="000000"/>
-                </a:solidFill>
-                <a:latin typeface="Calibri"/>
+              <a:rPr lang="en-US" sz="2800">
+                <a:latin typeface="Arial"/>
               </a:rPr>
               <a:t>Second Outline Level</a:t>
             </a:r>
@@ -2745,11 +2638,8 @@
               <a:buChar char=""/>
             </a:pPr>
             <a:r>
-              <a:rPr lang="ru-RU" sz="3090" strike="noStrike">
-                <a:solidFill>
-                  <a:srgbClr val="000000"/>
-                </a:solidFill>
-                <a:latin typeface="Calibri"/>
+              <a:rPr lang="en-US" sz="2400">
+                <a:latin typeface="Arial"/>
               </a:rPr>
               <a:t>Third Outline Level</a:t>
             </a:r>
@@ -2762,11 +2652,8 @@
               <a:buChar char=""/>
             </a:pPr>
             <a:r>
-              <a:rPr lang="ru-RU" sz="3090" strike="noStrike">
-                <a:solidFill>
-                  <a:srgbClr val="000000"/>
-                </a:solidFill>
-                <a:latin typeface="Calibri"/>
+              <a:rPr lang="en-US" sz="2000">
+                <a:latin typeface="Arial"/>
               </a:rPr>
               <a:t>Fourth Outline Level</a:t>
             </a:r>
@@ -2779,11 +2666,8 @@
               <a:buChar char=""/>
             </a:pPr>
             <a:r>
-              <a:rPr lang="ru-RU" sz="3090" strike="noStrike">
-                <a:solidFill>
-                  <a:srgbClr val="000000"/>
-                </a:solidFill>
-                <a:latin typeface="Calibri"/>
+              <a:rPr lang="en-US" sz="2000">
+                <a:latin typeface="Arial"/>
               </a:rPr>
               <a:t>Fifth Outline Level</a:t>
             </a:r>
@@ -2796,215 +2680,25 @@
               <a:buChar char=""/>
             </a:pPr>
             <a:r>
-              <a:rPr lang="ru-RU" sz="3090" strike="noStrike">
-                <a:solidFill>
-                  <a:srgbClr val="000000"/>
-                </a:solidFill>
-                <a:latin typeface="Calibri"/>
+              <a:rPr lang="en-US" sz="2000">
+                <a:latin typeface="Arial"/>
               </a:rPr>
               <a:t>Sixth Outline Level</a:t>
             </a:r>
             <a:endParaRPr/>
           </a:p>
           <a:p>
-            <a:pPr>
-              <a:lnSpc>
-                <a:spcPct val="100000"/>
-              </a:lnSpc>
-              <a:buFont typeface="Arial"/>
-              <a:buChar char="•"/>
-            </a:pPr>
-            <a:r>
-              <a:rPr lang="ru-RU" sz="3090" strike="noStrike">
-                <a:solidFill>
-                  <a:srgbClr val="000000"/>
-                </a:solidFill>
-                <a:latin typeface="Calibri"/>
-              </a:rPr>
-              <a:t>Seventh Outline LevelОбразец текста</a:t>
-            </a:r>
-            <a:endParaRPr/>
-          </a:p>
-          <a:p>
-            <a:pPr lvl="1">
-              <a:lnSpc>
-                <a:spcPct val="100000"/>
-              </a:lnSpc>
-              <a:buFont typeface="Arial"/>
-              <a:buChar char="•"/>
-            </a:pPr>
-            <a:r>
-              <a:rPr lang="ru-RU" sz="2650" strike="noStrike">
-                <a:solidFill>
-                  <a:srgbClr val="000000"/>
-                </a:solidFill>
-                <a:latin typeface="Calibri"/>
-              </a:rPr>
-              <a:t>Второй уровень</a:t>
-            </a:r>
-            <a:endParaRPr/>
-          </a:p>
-          <a:p>
-            <a:pPr lvl="2">
-              <a:lnSpc>
-                <a:spcPct val="100000"/>
-              </a:lnSpc>
-              <a:buFont typeface="Arial"/>
-              <a:buChar char="•"/>
-            </a:pPr>
-            <a:r>
-              <a:rPr lang="ru-RU" sz="2210" strike="noStrike">
-                <a:solidFill>
-                  <a:srgbClr val="000000"/>
-                </a:solidFill>
-                <a:latin typeface="Calibri"/>
-              </a:rPr>
-              <a:t>Третий уровень</a:t>
-            </a:r>
-            <a:endParaRPr/>
-          </a:p>
-          <a:p>
-            <a:pPr lvl="3">
-              <a:lnSpc>
-                <a:spcPct val="100000"/>
-              </a:lnSpc>
-              <a:buFont typeface="Arial"/>
-              <a:buChar char="•"/>
-            </a:pPr>
-            <a:r>
-              <a:rPr lang="ru-RU" sz="1990" strike="noStrike">
-                <a:solidFill>
-                  <a:srgbClr val="000000"/>
-                </a:solidFill>
-                <a:latin typeface="Calibri"/>
-              </a:rPr>
-              <a:t>Четвертый уровень</a:t>
-            </a:r>
-            <a:endParaRPr/>
-          </a:p>
-          <a:p>
-            <a:pPr lvl="4">
-              <a:lnSpc>
-                <a:spcPct val="100000"/>
-              </a:lnSpc>
-              <a:buFont typeface="Arial"/>
-              <a:buChar char="•"/>
-            </a:pPr>
-            <a:r>
-              <a:rPr lang="ru-RU" sz="1990" strike="noStrike">
-                <a:solidFill>
-                  <a:srgbClr val="000000"/>
-                </a:solidFill>
-                <a:latin typeface="Calibri"/>
-              </a:rPr>
-              <a:t>Пятый уровень</a:t>
-            </a:r>
-            <a:endParaRPr/>
-          </a:p>
-        </p:txBody>
-      </p:sp>
-      <p:sp>
-        <p:nvSpPr>
-          <p:cNvPr id="41" name="PlaceHolder 3"/>
-          <p:cNvSpPr>
-            <a:spLocks noGrp="1"/>
-          </p:cNvSpPr>
-          <p:nvPr>
-            <p:ph type="dt"/>
-          </p:nvPr>
-        </p:nvSpPr>
-        <p:spPr>
-          <a:xfrm>
-            <a:off x="732600" y="7006680"/>
-            <a:ext cx="2397240" cy="402120"/>
-          </a:xfrm>
-          <a:prstGeom prst="rect">
-            <a:avLst/>
-          </a:prstGeom>
-        </p:spPr>
-        <p:txBody>
-          <a:bodyPr anchor="ctr"/>
-          <a:p>
-            <a:pPr>
-              <a:lnSpc>
-                <a:spcPct val="100000"/>
-              </a:lnSpc>
-            </a:pPr>
-            <a:r>
-              <a:rPr lang="en-US" sz="1330" strike="noStrike">
-                <a:solidFill>
-                  <a:srgbClr val="8b8b8b"/>
-                </a:solidFill>
-                <a:latin typeface="Calibri"/>
-              </a:rPr>
-              <a:t>10/11/14</a:t>
-            </a:r>
-            <a:endParaRPr/>
-          </a:p>
-        </p:txBody>
-      </p:sp>
-      <p:sp>
-        <p:nvSpPr>
-          <p:cNvPr id="42" name="PlaceHolder 4"/>
-          <p:cNvSpPr>
-            <a:spLocks noGrp="1"/>
-          </p:cNvSpPr>
-          <p:nvPr>
-            <p:ph type="ftr"/>
-          </p:nvPr>
-        </p:nvSpPr>
-        <p:spPr>
-          <a:xfrm>
-            <a:off x="3529440" y="7006680"/>
-            <a:ext cx="3595680" cy="402120"/>
-          </a:xfrm>
-          <a:prstGeom prst="rect">
-            <a:avLst/>
-          </a:prstGeom>
-        </p:spPr>
-        <p:txBody>
-          <a:bodyPr anchor="ctr"/>
-          <a:p>
-            <a:endParaRPr/>
-          </a:p>
-        </p:txBody>
-      </p:sp>
-      <p:sp>
-        <p:nvSpPr>
-          <p:cNvPr id="43" name="PlaceHolder 5"/>
-          <p:cNvSpPr>
-            <a:spLocks noGrp="1"/>
-          </p:cNvSpPr>
-          <p:nvPr>
-            <p:ph type="sldNum"/>
-          </p:nvPr>
-        </p:nvSpPr>
-        <p:spPr>
-          <a:xfrm>
-            <a:off x="7525440" y="7006680"/>
-            <a:ext cx="2397240" cy="402120"/>
-          </a:xfrm>
-          <a:prstGeom prst="rect">
-            <a:avLst/>
-          </a:prstGeom>
-        </p:spPr>
-        <p:txBody>
-          <a:bodyPr anchor="ctr"/>
-          <a:p>
-            <a:pPr algn="r">
-              <a:lnSpc>
-                <a:spcPct val="100000"/>
-              </a:lnSpc>
-            </a:pPr>
-            <a:fld id="{6BCF084C-7D7C-44AC-A382-3E2854C5FEEF}" type="slidenum">
-              <a:rPr lang="en-US" sz="1330" strike="noStrike">
-                <a:solidFill>
-                  <a:srgbClr val="8b8b8b"/>
-                </a:solidFill>
-                <a:latin typeface="Calibri"/>
-              </a:rPr>
-              <a:t>&lt;number&gt;</a:t>
-            </a:fld>
+            <a:pPr lvl="6">
+              <a:buSzPct val="45000"/>
+              <a:buFont typeface="StarSymbol"/>
+              <a:buChar char=""/>
+            </a:pPr>
+            <a:r>
+              <a:rPr lang="en-US" sz="2000">
+                <a:latin typeface="Arial"/>
+              </a:rPr>
+              <a:t>Seventh Outline Level</a:t>
+            </a:r>
             <a:endParaRPr/>
           </a:p>
         </p:txBody>
@@ -3048,7 +2742,7 @@
       </p:grpSpPr>
       <p:pic>
         <p:nvPicPr>
-          <p:cNvPr id="78" name="Рисунок 1" descr=""/>
+          <p:cNvPr id="72" name="Рисунок 1" descr=""/>
           <p:cNvPicPr/>
           <p:nvPr/>
         </p:nvPicPr>
@@ -3059,7 +2753,7 @@
         <p:spPr>
           <a:xfrm>
             <a:off x="5760" y="360"/>
-            <a:ext cx="10654920" cy="7559280"/>
+            <a:ext cx="10654560" cy="7558920"/>
           </a:xfrm>
           <a:prstGeom prst="rect">
             <a:avLst/>
@@ -3071,14 +2765,14 @@
       </p:pic>
       <p:sp>
         <p:nvSpPr>
-          <p:cNvPr id="79" name="CustomShape 1"/>
+          <p:cNvPr id="73" name="CustomShape 1"/>
           <p:cNvSpPr/>
           <p:nvPr/>
         </p:nvSpPr>
         <p:spPr>
           <a:xfrm>
             <a:off x="1000080" y="2114640"/>
-            <a:ext cx="9789840" cy="2833560"/>
+            <a:ext cx="9789480" cy="2833200"/>
           </a:xfrm>
           <a:prstGeom prst="rect">
             <a:avLst/>
@@ -3097,17 +2791,13 @@
         <p:txBody>
           <a:bodyPr lIns="90000" rIns="90000" tIns="45000" bIns="45000"/>
           <a:p>
-            <a:pPr>
-              <a:lnSpc>
-                <a:spcPct val="100000"/>
-              </a:lnSpc>
-            </a:pPr>
             <a:r>
               <a:rPr b="1" lang="en-US" sz="3600" strike="noStrike">
                 <a:solidFill>
                   <a:srgbClr val="000000"/>
                 </a:solidFill>
                 <a:latin typeface="Times New Roman"/>
+                <a:ea typeface="DejaVu Sans"/>
               </a:rPr>
               <a:t>Назва команди:</a:t>
             </a:r>
@@ -3117,8 +2807,27 @@
                   <a:srgbClr val="000000"/>
                 </a:solidFill>
                 <a:latin typeface="Times New Roman"/>
-              </a:rPr>
-              <a:t> Garbage Collector;</a:t>
+                <a:ea typeface="DejaVu Sans"/>
+              </a:rPr>
+              <a:t> Garbage Collector</a:t>
+            </a:r>
+            <a:endParaRPr/>
+          </a:p>
+          <a:p>
+            <a:pPr>
+              <a:lnSpc>
+                <a:spcPct val="100000"/>
+              </a:lnSpc>
+            </a:pPr>
+            <a:r>
+              <a:rPr b="1" lang="en-US" sz="3600" strike="noStrike">
+                <a:solidFill>
+                  <a:srgbClr val="000000"/>
+                </a:solidFill>
+                <a:latin typeface="Times New Roman"/>
+                <a:ea typeface="DejaVu Sans"/>
+              </a:rPr>
+              <a:t>Учасники:</a:t>
             </a:r>
             <a:r>
               <a:rPr lang="en-US" sz="3600" strike="noStrike">
@@ -3126,18 +2835,27 @@
                   <a:srgbClr val="000000"/>
                 </a:solidFill>
                 <a:latin typeface="Times New Roman"/>
-              </a:rPr>
-              <a:t>
-</a:t>
-            </a:r>
+                <a:ea typeface="DejaVu Sans"/>
+              </a:rPr>
+              <a:t> Дмитро Плехоткін,Олександр Семенов, Ярослав Ільїн</a:t>
+            </a:r>
+            <a:endParaRPr/>
+          </a:p>
+          <a:p>
+            <a:pPr>
+              <a:lnSpc>
+                <a:spcPct val="100000"/>
+              </a:lnSpc>
+            </a:pPr>
             <a:r>
               <a:rPr b="1" lang="en-US" sz="3600" strike="noStrike">
                 <a:solidFill>
                   <a:srgbClr val="000000"/>
                 </a:solidFill>
                 <a:latin typeface="Times New Roman"/>
-              </a:rPr>
-              <a:t>Учасники:</a:t>
+                <a:ea typeface="DejaVu Sans"/>
+              </a:rPr>
+              <a:t>Стихія:</a:t>
             </a:r>
             <a:r>
               <a:rPr lang="en-US" sz="3600" strike="noStrike">
@@ -3145,8 +2863,9 @@
                   <a:srgbClr val="000000"/>
                 </a:solidFill>
                 <a:latin typeface="Times New Roman"/>
-              </a:rPr>
-              <a:t> Дмитро Плехоткін,Олександр Семенов, Ярослав Ільїн;</a:t>
+                <a:ea typeface="DejaVu Sans"/>
+              </a:rPr>
+              <a:t> Земля</a:t>
             </a:r>
             <a:endParaRPr/>
           </a:p>
@@ -3162,8 +2881,9 @@
                   <a:srgbClr val="000000"/>
                 </a:solidFill>
                 <a:latin typeface="Times New Roman"/>
-              </a:rPr>
-              <a:t>Стихія:</a:t>
+                <a:ea typeface="DejaVu Sans"/>
+              </a:rPr>
+              <a:t>Назва проекту:</a:t>
             </a:r>
             <a:r>
               <a:rPr lang="en-US" sz="3600" strike="noStrike">
@@ -3171,43 +2891,9 @@
                   <a:srgbClr val="000000"/>
                 </a:solidFill>
                 <a:latin typeface="Times New Roman"/>
-              </a:rPr>
-              <a:t> Земля;</a:t>
-            </a:r>
-            <a:endParaRPr/>
-          </a:p>
-          <a:p>
-            <a:pPr>
-              <a:lnSpc>
-                <a:spcPct val="100000"/>
-              </a:lnSpc>
-            </a:pPr>
-            <a:r>
-              <a:rPr b="1" lang="en-US" sz="3600" strike="noStrike">
-                <a:solidFill>
-                  <a:srgbClr val="000000"/>
-                </a:solidFill>
-                <a:latin typeface="Times New Roman"/>
-              </a:rPr>
-              <a:t>Назва проекту:</a:t>
-            </a:r>
-            <a:r>
-              <a:rPr lang="en-US" sz="3600" strike="noStrike">
-                <a:solidFill>
-                  <a:srgbClr val="000000"/>
-                </a:solidFill>
-                <a:latin typeface="Times New Roman"/>
-              </a:rPr>
-              <a:t> </a:t>
-            </a:r>
-            <a:r>
-              <a:rPr lang="en-US" sz="3600" strike="noStrike">
-                <a:solidFill>
-                  <a:srgbClr val="000000"/>
-                </a:solidFill>
-                <a:latin typeface="Times New Roman"/>
-              </a:rPr>
-              <a:t>Garbage Collector Game.</a:t>
+                <a:ea typeface="DejaVu Sans"/>
+              </a:rPr>
+              <a:t> Garbage Collector Game</a:t>
             </a:r>
             <a:endParaRPr/>
           </a:p>
@@ -3271,7 +2957,7 @@
       </p:grpSpPr>
       <p:pic>
         <p:nvPicPr>
-          <p:cNvPr id="80" name="Рисунок 4" descr=""/>
+          <p:cNvPr id="74" name="Рисунок 4" descr=""/>
           <p:cNvPicPr/>
           <p:nvPr/>
         </p:nvPicPr>
@@ -3281,8 +2967,8 @@
         </p:blipFill>
         <p:spPr>
           <a:xfrm>
-            <a:off x="-322200" y="0"/>
-            <a:ext cx="10654920" cy="7559280"/>
+            <a:off x="1800" y="0"/>
+            <a:ext cx="10654560" cy="7558920"/>
           </a:xfrm>
           <a:prstGeom prst="rect">
             <a:avLst/>
@@ -3294,14 +2980,14 @@
       </p:pic>
       <p:sp>
         <p:nvSpPr>
-          <p:cNvPr id="81" name="CustomShape 1"/>
+          <p:cNvPr id="75" name="CustomShape 1"/>
           <p:cNvSpPr/>
           <p:nvPr/>
         </p:nvSpPr>
         <p:spPr>
           <a:xfrm>
             <a:off x="2814480" y="1343160"/>
-            <a:ext cx="5943240" cy="3929760"/>
+            <a:ext cx="5942880" cy="5208480"/>
           </a:xfrm>
           <a:prstGeom prst="rect">
             <a:avLst/>
@@ -3320,109 +3006,88 @@
         <p:txBody>
           <a:bodyPr lIns="90000" rIns="90000" tIns="45000" bIns="45000"/>
           <a:p>
-            <a:pPr algn="ctr">
-              <a:lnSpc>
-                <a:spcPct val="100000"/>
-              </a:lnSpc>
-            </a:pPr>
+            <a:pPr algn="ctr"/>
             <a:r>
               <a:rPr b="1" lang="en-US" sz="2800" strike="noStrike">
                 <a:solidFill>
                   <a:srgbClr val="000000"/>
                 </a:solidFill>
                 <a:latin typeface="Times New Roman"/>
+                <a:ea typeface="DejaVu Sans"/>
               </a:rPr>
               <a:t>Проблема або контекст проекту:</a:t>
             </a:r>
+            <a:endParaRPr/>
+          </a:p>
+          <a:p>
+            <a:pPr algn="ctr"/>
             <a:r>
               <a:rPr lang="en-US" sz="2800" strike="noStrike">
                 <a:solidFill>
                   <a:srgbClr val="000000"/>
                 </a:solidFill>
                 <a:latin typeface="Times New Roman"/>
-              </a:rPr>
-              <a:t>
-</a:t>
-            </a:r>
+                <a:ea typeface="DejaVu Sans"/>
+              </a:rPr>
+              <a:t>Культура споживання, що полягає у неоптимальному використанні природних ресурсів та неефективній утилізації відходів.</a:t>
+            </a:r>
+            <a:endParaRPr/>
+          </a:p>
+          <a:p>
+            <a:endParaRPr/>
+          </a:p>
+          <a:p>
+            <a:endParaRPr/>
+          </a:p>
+          <a:p>
+            <a:pPr algn="ctr">
+              <a:lnSpc>
+                <a:spcPct val="100000"/>
+              </a:lnSpc>
+            </a:pPr>
+            <a:r>
+              <a:rPr b="1" lang="en-US" sz="2800" strike="noStrike">
+                <a:solidFill>
+                  <a:srgbClr val="000000"/>
+                </a:solidFill>
+                <a:latin typeface="Times New Roman"/>
+                <a:ea typeface="DejaVu Sans"/>
+              </a:rPr>
+              <a:t>Мета проекту:</a:t>
+            </a:r>
+            <a:endParaRPr/>
+          </a:p>
+          <a:p>
+            <a:pPr algn="ctr">
+              <a:lnSpc>
+                <a:spcPct val="100000"/>
+              </a:lnSpc>
+            </a:pPr>
             <a:r>
               <a:rPr lang="en-US" sz="2800" strike="noStrike">
                 <a:solidFill>
                   <a:srgbClr val="000000"/>
                 </a:solidFill>
                 <a:latin typeface="Times New Roman"/>
-              </a:rPr>
-              <a:t>Культура споживання</a:t>
-            </a:r>
+                <a:ea typeface="DejaVu Sans"/>
+              </a:rPr>
+              <a:t>В ігровій формі навіяти молодому поколінню інтерес до екологічних проблем.</a:t>
+            </a:r>
+            <a:endParaRPr/>
+          </a:p>
+          <a:p>
+            <a:pPr>
+              <a:lnSpc>
+                <a:spcPct val="100000"/>
+              </a:lnSpc>
+            </a:pPr>
             <a:r>
               <a:rPr lang="en-US" sz="2800" strike="noStrike">
                 <a:solidFill>
                   <a:srgbClr val="000000"/>
                 </a:solidFill>
                 <a:latin typeface="Times New Roman"/>
-              </a:rPr>
-              <a:t>
-</a:t>
-            </a:r>
-            <a:r>
-              <a:rPr lang="en-US" sz="2800" strike="noStrike">
-                <a:solidFill>
-                  <a:srgbClr val="000000"/>
-                </a:solidFill>
-                <a:latin typeface="Times New Roman"/>
-              </a:rPr>
-              <a:t>
-</a:t>
-            </a:r>
-            <a:r>
-              <a:rPr lang="en-US" sz="2800" strike="noStrike">
-                <a:solidFill>
-                  <a:srgbClr val="000000"/>
-                </a:solidFill>
-                <a:latin typeface="Times New Roman"/>
-              </a:rPr>
-              <a:t>
-</a:t>
-            </a:r>
-            <a:r>
-              <a:rPr b="1" lang="en-US" sz="2800" strike="noStrike">
-                <a:solidFill>
-                  <a:srgbClr val="000000"/>
-                </a:solidFill>
-                <a:latin typeface="Times New Roman"/>
-              </a:rPr>
-              <a:t>Мета проекту:</a:t>
-            </a:r>
-            <a:endParaRPr/>
-          </a:p>
-          <a:p>
-            <a:pPr algn="ctr">
-              <a:lnSpc>
-                <a:spcPct val="100000"/>
-              </a:lnSpc>
-            </a:pPr>
-            <a:r>
-              <a:rPr lang="en-US" sz="2800" strike="noStrike">
-                <a:solidFill>
-                  <a:srgbClr val="000000"/>
-                </a:solidFill>
-                <a:latin typeface="Times New Roman"/>
-              </a:rPr>
-              <a:t>В ігровій формі навіяти молодому поколінню інтерес до екологічних проблем.</a:t>
-            </a:r>
-            <a:endParaRPr/>
-          </a:p>
-          <a:p>
-            <a:pPr>
-              <a:lnSpc>
-                <a:spcPct val="100000"/>
-              </a:lnSpc>
-            </a:pPr>
-            <a:r>
-              <a:rPr lang="en-US" sz="2800" strike="noStrike">
-                <a:solidFill>
-                  <a:srgbClr val="000000"/>
-                </a:solidFill>
-                <a:latin typeface="Times New Roman"/>
+                <a:ea typeface="DejaVu Sans"/>
               </a:rPr>
               <a:t> </a:t>
             </a:r>
@@ -3481,7 +3146,7 @@
       </p:grpSpPr>
       <p:pic>
         <p:nvPicPr>
-          <p:cNvPr id="82" name="Рисунок 4" descr=""/>
+          <p:cNvPr id="76" name="Рисунок 4" descr=""/>
           <p:cNvPicPr/>
           <p:nvPr/>
         </p:nvPicPr>
@@ -3492,7 +3157,7 @@
         <p:spPr>
           <a:xfrm>
             <a:off x="0" y="0"/>
-            <a:ext cx="10654920" cy="7559280"/>
+            <a:ext cx="10654560" cy="7558920"/>
           </a:xfrm>
           <a:prstGeom prst="rect">
             <a:avLst/>
@@ -3504,14 +3169,14 @@
       </p:pic>
       <p:sp>
         <p:nvSpPr>
-          <p:cNvPr id="83" name="CustomShape 1"/>
+          <p:cNvPr id="77" name="CustomShape 1"/>
           <p:cNvSpPr/>
           <p:nvPr/>
         </p:nvSpPr>
         <p:spPr>
           <a:xfrm>
             <a:off x="0" y="1285920"/>
-            <a:ext cx="10654920" cy="6915240"/>
+            <a:ext cx="10654560" cy="6914880"/>
           </a:xfrm>
           <a:prstGeom prst="rect">
             <a:avLst/>
@@ -3541,6 +3206,7 @@
                   <a:srgbClr val="000000"/>
                 </a:solidFill>
                 <a:latin typeface="Times New Roman"/>
+                <a:ea typeface="DejaVu Sans"/>
               </a:rPr>
               <a:t>Цільова аудиторія:</a:t>
             </a:r>
@@ -3558,8 +3224,9 @@
                   <a:srgbClr val="000000"/>
                 </a:solidFill>
                 <a:latin typeface="Times New Roman"/>
-              </a:rPr>
-              <a:t>Молоде покоління людей, </a:t>
+                <a:ea typeface="DejaVu Sans"/>
+              </a:rPr>
+              <a:t>Діти, молодь, </a:t>
             </a:r>
             <a:endParaRPr/>
           </a:p>
@@ -3575,6 +3242,7 @@
                   <a:srgbClr val="000000"/>
                 </a:solidFill>
                 <a:latin typeface="Times New Roman"/>
+                <a:ea typeface="DejaVu Sans"/>
               </a:rPr>
               <a:t>які користуються суспільними благами</a:t>
             </a:r>
@@ -3592,17 +3260,10 @@
                   <a:srgbClr val="000000"/>
                 </a:solidFill>
                 <a:latin typeface="Times New Roman"/>
+                <a:ea typeface="DejaVu Sans"/>
               </a:rPr>
               <a:t>і не звертають уваги на навколишнє середовище.</a:t>
             </a:r>
-            <a:endParaRPr/>
-          </a:p>
-          <a:p>
-            <a:pPr algn="ctr">
-              <a:lnSpc>
-                <a:spcPct val="100000"/>
-              </a:lnSpc>
-            </a:pPr>
             <a:endParaRPr/>
           </a:p>
           <a:p>
@@ -3633,6 +3294,7 @@
                   <a:srgbClr val="000000"/>
                 </a:solidFill>
                 <a:latin typeface="Times New Roman"/>
+                <a:ea typeface="DejaVu Sans"/>
               </a:rPr>
               <a:t>Іноваційність:</a:t>
             </a:r>
@@ -3650,6 +3312,7 @@
                   <a:srgbClr val="000000"/>
                 </a:solidFill>
                 <a:latin typeface="Times New Roman"/>
+                <a:ea typeface="DejaVu Sans"/>
               </a:rPr>
               <a:t>Навчання через гру,</a:t>
             </a:r>
@@ -3667,6 +3330,7 @@
                   <a:srgbClr val="000000"/>
                 </a:solidFill>
                 <a:latin typeface="Times New Roman"/>
+                <a:ea typeface="DejaVu Sans"/>
               </a:rPr>
               <a:t> </a:t>
             </a:r>
@@ -3676,6 +3340,7 @@
                   <a:srgbClr val="000000"/>
                 </a:solidFill>
                 <a:latin typeface="Times New Roman"/>
+                <a:ea typeface="DejaVu Sans"/>
               </a:rPr>
               <a:t>яке полягає на вільному розвитку дітей</a:t>
             </a:r>
@@ -3693,6 +3358,7 @@
                   <a:srgbClr val="000000"/>
                 </a:solidFill>
                 <a:latin typeface="Times New Roman"/>
+                <a:ea typeface="DejaVu Sans"/>
               </a:rPr>
               <a:t>без примусу та в ігровій формі</a:t>
             </a:r>
@@ -3791,7 +3457,7 @@
       </p:grpSpPr>
       <p:pic>
         <p:nvPicPr>
-          <p:cNvPr id="84" name="Рисунок 4" descr=""/>
+          <p:cNvPr id="78" name="Рисунок 4" descr=""/>
           <p:cNvPicPr/>
           <p:nvPr/>
         </p:nvPicPr>
@@ -3802,7 +3468,7 @@
         <p:spPr>
           <a:xfrm>
             <a:off x="0" y="0"/>
-            <a:ext cx="10654920" cy="7559280"/>
+            <a:ext cx="10654560" cy="7558920"/>
           </a:xfrm>
           <a:prstGeom prst="rect">
             <a:avLst/>
@@ -3814,14 +3480,14 @@
       </p:pic>
       <p:sp>
         <p:nvSpPr>
-          <p:cNvPr id="85" name="CustomShape 1"/>
+          <p:cNvPr id="79" name="CustomShape 1"/>
           <p:cNvSpPr/>
           <p:nvPr/>
         </p:nvSpPr>
         <p:spPr>
           <a:xfrm>
             <a:off x="2643120" y="1285920"/>
-            <a:ext cx="5943240" cy="516960"/>
+            <a:ext cx="5942880" cy="516600"/>
           </a:xfrm>
           <a:prstGeom prst="rect">
             <a:avLst/>
@@ -3851,6 +3517,7 @@
                   <a:srgbClr val="000000"/>
                 </a:solidFill>
                 <a:latin typeface="Times New Roman"/>
+                <a:ea typeface="DejaVu Sans"/>
               </a:rPr>
               <a:t>Очікувані результати: </a:t>
             </a:r>
@@ -3860,14 +3527,14 @@
       </p:sp>
       <p:sp>
         <p:nvSpPr>
-          <p:cNvPr id="86" name="CustomShape 2"/>
+          <p:cNvPr id="80" name="CustomShape 2"/>
           <p:cNvSpPr/>
           <p:nvPr/>
         </p:nvSpPr>
         <p:spPr>
           <a:xfrm>
             <a:off x="328680" y="2157480"/>
-            <a:ext cx="8915040" cy="2284200"/>
+            <a:ext cx="8914680" cy="1918800"/>
           </a:xfrm>
           <a:prstGeom prst="rect">
             <a:avLst/>
@@ -3897,6 +3564,7 @@
                   <a:srgbClr val="000000"/>
                 </a:solidFill>
                 <a:latin typeface="Times New Roman"/>
+                <a:ea typeface="DejaVu Sans"/>
               </a:rPr>
               <a:t>Короткострокові:</a:t>
             </a:r>
@@ -3914,17 +3582,10 @@
                   <a:srgbClr val="000000"/>
                 </a:solidFill>
                 <a:latin typeface="Times New Roman"/>
-              </a:rPr>
-              <a:t>Готова гра з єдиним ігровим режимом на платформі Android.</a:t>
-            </a:r>
-            <a:endParaRPr/>
-          </a:p>
-          <a:p>
-            <a:pPr>
-              <a:lnSpc>
-                <a:spcPct val="100000"/>
-              </a:lnSpc>
-            </a:pPr>
+                <a:ea typeface="DejaVu Sans"/>
+              </a:rPr>
+              <a:t>Кросплатформенна гра з єдиним ігровим режимом.</a:t>
+            </a:r>
             <a:endParaRPr/>
           </a:p>
           <a:p>
@@ -3939,6 +3600,7 @@
                   <a:srgbClr val="000000"/>
                 </a:solidFill>
                 <a:latin typeface="Times New Roman"/>
+                <a:ea typeface="DejaVu Sans"/>
               </a:rPr>
               <a:t>Довгострокові:</a:t>
             </a:r>
@@ -3956,8 +3618,9 @@
                   <a:srgbClr val="000000"/>
                 </a:solidFill>
                 <a:latin typeface="Times New Roman"/>
-              </a:rPr>
-              <a:t>Кросплатформенна гра з багатьма ігровими режимами, системою соціалізації та мотивації через досягнення.</a:t>
+                <a:ea typeface="DejaVu Sans"/>
+              </a:rPr>
+              <a:t>Кросплатформенна гра з багатьма ігровими режимами, системою соціалізації, мотивації та монетизації.</a:t>
             </a:r>
             <a:endParaRPr/>
           </a:p>
@@ -4014,7 +3677,7 @@
       </p:grpSpPr>
       <p:pic>
         <p:nvPicPr>
-          <p:cNvPr id="87" name="Рисунок 4" descr=""/>
+          <p:cNvPr id="81" name="Рисунок 4" descr=""/>
           <p:cNvPicPr/>
           <p:nvPr/>
         </p:nvPicPr>
@@ -4024,8 +3687,8 @@
         </p:blipFill>
         <p:spPr>
           <a:xfrm>
-            <a:off x="-230760" y="0"/>
-            <a:ext cx="10654920" cy="7559280"/>
+            <a:off x="21240" y="0"/>
+            <a:ext cx="10654560" cy="7558920"/>
           </a:xfrm>
           <a:prstGeom prst="rect">
             <a:avLst/>
@@ -4037,14 +3700,14 @@
       </p:pic>
       <p:sp>
         <p:nvSpPr>
-          <p:cNvPr id="88" name="CustomShape 1"/>
+          <p:cNvPr id="82" name="CustomShape 1"/>
           <p:cNvSpPr/>
           <p:nvPr/>
         </p:nvSpPr>
         <p:spPr>
           <a:xfrm>
             <a:off x="2643120" y="1285920"/>
-            <a:ext cx="5943240" cy="516960"/>
+            <a:ext cx="5942880" cy="516600"/>
           </a:xfrm>
           <a:prstGeom prst="rect">
             <a:avLst/>
@@ -4074,6 +3737,7 @@
                   <a:srgbClr val="000000"/>
                 </a:solidFill>
                 <a:latin typeface="Times New Roman"/>
+                <a:ea typeface="DejaVu Sans"/>
               </a:rPr>
               <a:t>PR – супровід проекту:</a:t>
             </a:r>
@@ -4083,14 +3747,14 @@
       </p:sp>
       <p:sp>
         <p:nvSpPr>
-          <p:cNvPr id="89" name="CustomShape 2"/>
+          <p:cNvPr id="83" name="CustomShape 2"/>
           <p:cNvSpPr/>
           <p:nvPr/>
         </p:nvSpPr>
         <p:spPr>
           <a:xfrm>
             <a:off x="731520" y="2135160"/>
-            <a:ext cx="8229600" cy="3075120"/>
+            <a:ext cx="8229240" cy="3074760"/>
           </a:xfrm>
           <a:prstGeom prst="rect">
             <a:avLst/>
@@ -4114,7 +3778,7 @@
                 <a:spcPct val="150000"/>
               </a:lnSpc>
               <a:buFont typeface="StarSymbol"/>
-              <a:buChar char=""/>
+              <a:buChar char="l"/>
             </a:pPr>
             <a:r>
               <a:rPr lang="en-US" sz="2800" strike="noStrike">
@@ -4122,6 +3786,7 @@
                   <a:srgbClr val="000000"/>
                 </a:solidFill>
                 <a:latin typeface="Times New Roman"/>
+                <a:ea typeface="DejaVu Sans"/>
               </a:rPr>
               <a:t> </a:t>
             </a:r>
@@ -4131,6 +3796,7 @@
                   <a:srgbClr val="000000"/>
                 </a:solidFill>
                 <a:latin typeface="Times New Roman"/>
+                <a:ea typeface="DejaVu Sans"/>
               </a:rPr>
               <a:t>Розміщення гри на Google Play, AppStore;</a:t>
             </a:r>
@@ -4142,7 +3808,7 @@
                 <a:spcPct val="150000"/>
               </a:lnSpc>
               <a:buFont typeface="StarSymbol"/>
-              <a:buChar char=""/>
+              <a:buChar char="l"/>
             </a:pPr>
             <a:r>
               <a:rPr lang="en-US" sz="2800" strike="noStrike">
@@ -4150,6 +3816,7 @@
                   <a:srgbClr val="000000"/>
                 </a:solidFill>
                 <a:latin typeface="Times New Roman"/>
+                <a:ea typeface="DejaVu Sans"/>
               </a:rPr>
               <a:t> </a:t>
             </a:r>
@@ -4159,6 +3826,7 @@
                   <a:srgbClr val="000000"/>
                 </a:solidFill>
                 <a:latin typeface="Times New Roman"/>
+                <a:ea typeface="DejaVu Sans"/>
               </a:rPr>
               <a:t>Співпраця з соціальними організаціями та прогресивними освітніми інститутами;</a:t>
             </a:r>
@@ -4170,7 +3838,7 @@
                 <a:spcPct val="150000"/>
               </a:lnSpc>
               <a:buFont typeface="StarSymbol"/>
-              <a:buChar char=""/>
+              <a:buChar char="l"/>
             </a:pPr>
             <a:r>
               <a:rPr lang="en-US" sz="2800" strike="noStrike">
@@ -4178,6 +3846,7 @@
                   <a:srgbClr val="000000"/>
                 </a:solidFill>
                 <a:latin typeface="Times New Roman"/>
+                <a:ea typeface="DejaVu Sans"/>
               </a:rPr>
               <a:t> </a:t>
             </a:r>
@@ -4187,6 +3856,7 @@
                   <a:srgbClr val="000000"/>
                 </a:solidFill>
                 <a:latin typeface="Times New Roman"/>
+                <a:ea typeface="DejaVu Sans"/>
               </a:rPr>
               <a:t>Співпраця з професійними рекламними агенствами.</a:t>
             </a:r>
@@ -4245,7 +3915,7 @@
       </p:grpSpPr>
       <p:pic>
         <p:nvPicPr>
-          <p:cNvPr id="90" name="Рисунок 4" descr=""/>
+          <p:cNvPr id="84" name="Рисунок 4" descr=""/>
           <p:cNvPicPr/>
           <p:nvPr/>
         </p:nvPicPr>
@@ -4256,7 +3926,7 @@
         <p:spPr>
           <a:xfrm>
             <a:off x="0" y="0"/>
-            <a:ext cx="10654920" cy="7559280"/>
+            <a:ext cx="10654560" cy="7558920"/>
           </a:xfrm>
           <a:prstGeom prst="rect">
             <a:avLst/>
@@ -4268,14 +3938,14 @@
       </p:pic>
       <p:sp>
         <p:nvSpPr>
-          <p:cNvPr id="91" name="CustomShape 1"/>
+          <p:cNvPr id="85" name="CustomShape 1"/>
           <p:cNvSpPr/>
           <p:nvPr/>
         </p:nvSpPr>
         <p:spPr>
           <a:xfrm>
             <a:off x="2643120" y="1285920"/>
-            <a:ext cx="5943240" cy="516960"/>
+            <a:ext cx="5942880" cy="516600"/>
           </a:xfrm>
           <a:prstGeom prst="rect">
             <a:avLst/>
@@ -4305,12 +3975,83 @@
                   <a:srgbClr val="000000"/>
                 </a:solidFill>
                 <a:latin typeface="Times New Roman"/>
+                <a:ea typeface="DejaVu Sans"/>
               </a:rPr>
               <a:t>Оцінка успішності проекту: </a:t>
             </a:r>
             <a:endParaRPr/>
           </a:p>
-        </p:txBody>
+          <a:p>
+            <a:pPr>
+              <a:lnSpc>
+                <a:spcPct val="100000"/>
+              </a:lnSpc>
+              <a:buFont typeface="StarSymbol"/>
+              <a:buChar char=""/>
+            </a:pPr>
+            <a:endParaRPr/>
+          </a:p>
+          <a:p>
+            <a:pPr>
+              <a:lnSpc>
+                <a:spcPct val="100000"/>
+              </a:lnSpc>
+              <a:buFont typeface="StarSymbol"/>
+              <a:buChar char=""/>
+            </a:pPr>
+            <a:r>
+              <a:rPr lang="en-US" sz="2800" strike="noStrike">
+                <a:solidFill>
+                  <a:srgbClr val="000000"/>
+                </a:solidFill>
+                <a:latin typeface="Times New Roman"/>
+                <a:ea typeface="DejaVu Sans"/>
+              </a:rPr>
+              <a:t>1) 10 тисяч скачувань з Google Play та AppStore.</a:t>
+            </a:r>
+            <a:endParaRPr/>
+          </a:p>
+          <a:p>
+            <a:pPr>
+              <a:lnSpc>
+                <a:spcPct val="100000"/>
+              </a:lnSpc>
+              <a:buFont typeface="StarSymbol"/>
+              <a:buChar char=""/>
+            </a:pPr>
+            <a:r>
+              <a:rPr lang="en-US" sz="2800" strike="noStrike">
+                <a:solidFill>
+                  <a:srgbClr val="000000"/>
+                </a:solidFill>
+                <a:latin typeface="Times New Roman"/>
+                <a:ea typeface="DejaVu Sans"/>
+              </a:rPr>
+              <a:t>2) Видимий позитивний вплив на свідомість мододі. </a:t>
+            </a:r>
+            <a:endParaRPr/>
+          </a:p>
+        </p:txBody>
+      </p:sp>
+      <p:sp>
+        <p:nvSpPr>
+          <p:cNvPr id="86" name="TextShape 2"/>
+          <p:cNvSpPr txBox="1"/>
+          <p:nvPr/>
+        </p:nvSpPr>
+        <p:spPr>
+          <a:xfrm>
+            <a:off x="1902600" y="2523240"/>
+            <a:ext cx="396720" cy="369720"/>
+          </a:xfrm>
+          <a:prstGeom prst="rect">
+            <a:avLst/>
+          </a:prstGeom>
+          <a:noFill/>
+          <a:ln>
+            <a:noFill/>
+          </a:ln>
+        </p:spPr>
       </p:sp>
     </p:spTree>
   </p:cSld>
@@ -4363,7 +4104,7 @@
       </p:grpSpPr>
       <p:pic>
         <p:nvPicPr>
-          <p:cNvPr id="92" name="Рисунок 4" descr=""/>
+          <p:cNvPr id="87" name="Рисунок 4" descr=""/>
           <p:cNvPicPr/>
           <p:nvPr/>
         </p:nvPicPr>
@@ -4373,8 +4114,8 @@
         </p:blipFill>
         <p:spPr>
           <a:xfrm>
-            <a:off x="0" y="0"/>
-            <a:ext cx="10654920" cy="7559280"/>
+            <a:off x="548640" y="-91440"/>
+            <a:ext cx="10654560" cy="7558920"/>
           </a:xfrm>
           <a:prstGeom prst="rect">
             <a:avLst/>
@@ -4386,14 +4127,14 @@
       </p:pic>
       <p:sp>
         <p:nvSpPr>
-          <p:cNvPr id="93" name="CustomShape 1"/>
+          <p:cNvPr id="88" name="CustomShape 1"/>
           <p:cNvSpPr/>
           <p:nvPr/>
         </p:nvSpPr>
         <p:spPr>
           <a:xfrm>
             <a:off x="2643120" y="1285920"/>
-            <a:ext cx="5943240" cy="516960"/>
+            <a:ext cx="5942880" cy="516600"/>
           </a:xfrm>
           <a:prstGeom prst="rect">
             <a:avLst/>
@@ -4423,8 +4164,82 @@
                   <a:srgbClr val="000000"/>
                 </a:solidFill>
                 <a:latin typeface="Times New Roman"/>
+                <a:ea typeface="DejaVu Sans"/>
               </a:rPr>
               <a:t>Бюджет і маркетинг проекту:</a:t>
+            </a:r>
+            <a:endParaRPr/>
+          </a:p>
+        </p:txBody>
+      </p:sp>
+      <p:sp>
+        <p:nvSpPr>
+          <p:cNvPr id="89" name="CustomShape 2"/>
+          <p:cNvSpPr/>
+          <p:nvPr/>
+        </p:nvSpPr>
+        <p:spPr>
+          <a:xfrm>
+            <a:off x="2631960" y="2027160"/>
+            <a:ext cx="5942880" cy="516600"/>
+          </a:xfrm>
+          <a:prstGeom prst="rect">
+            <a:avLst/>
+          </a:prstGeom>
+          <a:noFill/>
+          <a:ln>
+            <a:noFill/>
+          </a:ln>
+        </p:spPr>
+        <p:style>
+          <a:lnRef idx="0"/>
+          <a:fillRef idx="0"/>
+          <a:effectRef idx="0"/>
+          <a:fontRef idx="minor"/>
+        </p:style>
+        <p:txBody>
+          <a:bodyPr lIns="90000" rIns="90000" tIns="45000" bIns="45000"/>
+          <a:p>
+            <a:pPr>
+              <a:lnSpc>
+                <a:spcPct val="100000"/>
+              </a:lnSpc>
+            </a:pPr>
+            <a:r>
+              <a:rPr lang="en-US" sz="2800" strike="noStrike">
+                <a:solidFill>
+                  <a:srgbClr val="000000"/>
+                </a:solidFill>
+                <a:latin typeface="Times New Roman"/>
+                <a:ea typeface="DejaVu Sans"/>
+              </a:rPr>
+              <a:t>1) Витрати на рекламу (Точн усуму потрібно уточнити в експертів).</a:t>
+            </a:r>
+            <a:endParaRPr/>
+          </a:p>
+          <a:p>
+            <a:pPr algn="ctr">
+              <a:lnSpc>
+                <a:spcPct val="100000"/>
+              </a:lnSpc>
+            </a:pPr>
+            <a:endParaRPr/>
+          </a:p>
+          <a:p>
+            <a:pPr>
+              <a:lnSpc>
+                <a:spcPct val="100000"/>
+              </a:lnSpc>
+            </a:pPr>
+            <a:r>
+              <a:rPr lang="en-US" sz="2800" strike="noStrike">
+                <a:solidFill>
+                  <a:srgbClr val="000000"/>
+                </a:solidFill>
+                <a:latin typeface="Times New Roman"/>
+                <a:ea typeface="DejaVu Sans"/>
+              </a:rPr>
+              <a:t>2) Витрати на модернізацію та підтримку: $3000.</a:t>
             </a:r>
             <a:endParaRPr/>
           </a:p>
@@ -4481,7 +4296,7 @@
       </p:grpSpPr>
       <p:pic>
         <p:nvPicPr>
-          <p:cNvPr id="94" name="Рисунок 4" descr=""/>
+          <p:cNvPr id="90" name="Рисунок 4" descr=""/>
           <p:cNvPicPr/>
           <p:nvPr/>
         </p:nvPicPr>
@@ -4492,7 +4307,7 @@
         <p:spPr>
           <a:xfrm>
             <a:off x="0" y="0"/>
-            <a:ext cx="10654920" cy="7559280"/>
+            <a:ext cx="10654560" cy="7558920"/>
           </a:xfrm>
           <a:prstGeom prst="rect">
             <a:avLst/>
@@ -4504,14 +4319,14 @@
       </p:pic>
       <p:sp>
         <p:nvSpPr>
-          <p:cNvPr id="95" name="CustomShape 1"/>
+          <p:cNvPr id="91" name="CustomShape 1"/>
           <p:cNvSpPr/>
           <p:nvPr/>
         </p:nvSpPr>
         <p:spPr>
           <a:xfrm>
             <a:off x="2643120" y="1285920"/>
-            <a:ext cx="5943240" cy="516960"/>
+            <a:ext cx="5942880" cy="516600"/>
           </a:xfrm>
           <a:prstGeom prst="rect">
             <a:avLst/>
@@ -4541,6 +4356,7 @@
                   <a:srgbClr val="000000"/>
                 </a:solidFill>
                 <a:latin typeface="Times New Roman"/>
+                <a:ea typeface="DejaVu Sans"/>
               </a:rPr>
               <a:t>Наша розробка:</a:t>
             </a:r>

--- a/Garbage Collector Game.pptx
+++ b/Garbage Collector Game.pptx
@@ -2364,8 +2364,8 @@
         </p:nvSpPr>
         <p:spPr>
           <a:xfrm>
-            <a:off x="732600" y="402480"/>
-            <a:ext cx="9189360" cy="1460520"/>
+            <a:off x="532440" y="301320"/>
+            <a:ext cx="9588960" cy="1261440"/>
           </a:xfrm>
           <a:prstGeom prst="rect">
             <a:avLst/>
@@ -2397,7 +2397,7 @@
         <p:spPr>
           <a:xfrm>
             <a:off x="532440" y="1768680"/>
-            <a:ext cx="9589320" cy="4384080"/>
+            <a:ext cx="9588960" cy="4383720"/>
           </a:xfrm>
           <a:prstGeom prst="rect">
             <a:avLst/>
@@ -2412,7 +2412,7 @@
               <a:buChar char=""/>
             </a:pPr>
             <a:r>
-              <a:rPr lang="en-US" sz="3200">
+              <a:rPr lang="en-US">
                 <a:latin typeface="Arial"/>
               </a:rPr>
               <a:t>Click to edit the outline text format</a:t>
@@ -2426,7 +2426,7 @@
               <a:buChar char=""/>
             </a:pPr>
             <a:r>
-              <a:rPr lang="en-US" sz="2800">
+              <a:rPr lang="en-US">
                 <a:latin typeface="Arial"/>
               </a:rPr>
               <a:t>Second Outline Level</a:t>
@@ -2440,7 +2440,7 @@
               <a:buChar char=""/>
             </a:pPr>
             <a:r>
-              <a:rPr lang="en-US" sz="2400">
+              <a:rPr lang="en-US">
                 <a:latin typeface="Arial"/>
               </a:rPr>
               <a:t>Third Outline Level</a:t>
@@ -2454,7 +2454,7 @@
               <a:buChar char=""/>
             </a:pPr>
             <a:r>
-              <a:rPr lang="en-US" sz="2000">
+              <a:rPr lang="en-US">
                 <a:latin typeface="Arial"/>
               </a:rPr>
               <a:t>Fourth Outline Level</a:t>
@@ -2468,7 +2468,7 @@
               <a:buChar char=""/>
             </a:pPr>
             <a:r>
-              <a:rPr lang="en-US" sz="2000">
+              <a:rPr lang="en-US">
                 <a:latin typeface="Arial"/>
               </a:rPr>
               <a:t>Fifth Outline Level</a:t>
@@ -2482,7 +2482,7 @@
               <a:buChar char=""/>
             </a:pPr>
             <a:r>
-              <a:rPr lang="en-US" sz="2000">
+              <a:rPr lang="en-US">
                 <a:latin typeface="Arial"/>
               </a:rPr>
               <a:t>Sixth Outline Level</a:t>
@@ -2496,7 +2496,7 @@
               <a:buChar char=""/>
             </a:pPr>
             <a:r>
-              <a:rPr lang="en-US" sz="2000">
+              <a:rPr lang="en-US">
                 <a:latin typeface="Arial"/>
               </a:rPr>
               <a:t>Seventh Outline Level</a:t>
@@ -2753,7 +2753,7 @@
         <p:spPr>
           <a:xfrm>
             <a:off x="5760" y="360"/>
-            <a:ext cx="10654560" cy="7558920"/>
+            <a:ext cx="10654200" cy="7558560"/>
           </a:xfrm>
           <a:prstGeom prst="rect">
             <a:avLst/>
@@ -2772,7 +2772,7 @@
         <p:spPr>
           <a:xfrm>
             <a:off x="1000080" y="2114640"/>
-            <a:ext cx="9789480" cy="2833200"/>
+            <a:ext cx="9789120" cy="2832840"/>
           </a:xfrm>
           <a:prstGeom prst="rect">
             <a:avLst/>
@@ -2968,7 +2968,7 @@
         <p:spPr>
           <a:xfrm>
             <a:off x="1800" y="0"/>
-            <a:ext cx="10654560" cy="7558920"/>
+            <a:ext cx="10654200" cy="7558560"/>
           </a:xfrm>
           <a:prstGeom prst="rect">
             <a:avLst/>
@@ -2987,7 +2987,7 @@
         <p:spPr>
           <a:xfrm>
             <a:off x="2814480" y="1343160"/>
-            <a:ext cx="5942880" cy="5208480"/>
+            <a:ext cx="5942520" cy="5208120"/>
           </a:xfrm>
           <a:prstGeom prst="rect">
             <a:avLst/>
@@ -3006,7 +3006,11 @@
         <p:txBody>
           <a:bodyPr lIns="90000" rIns="90000" tIns="45000" bIns="45000"/>
           <a:p>
-            <a:pPr algn="ctr"/>
+            <a:pPr algn="ctr">
+              <a:lnSpc>
+                <a:spcPct val="100000"/>
+              </a:lnSpc>
+            </a:pPr>
             <a:r>
               <a:rPr b="1" lang="en-US" sz="2800" strike="noStrike">
                 <a:solidFill>
@@ -3020,7 +3024,11 @@
             <a:endParaRPr/>
           </a:p>
           <a:p>
-            <a:pPr algn="ctr"/>
+            <a:pPr algn="ctr">
+              <a:lnSpc>
+                <a:spcPct val="100000"/>
+              </a:lnSpc>
+            </a:pPr>
             <a:r>
               <a:rPr lang="en-US" sz="2800" strike="noStrike">
                 <a:solidFill>
@@ -3034,9 +3042,19 @@
             <a:endParaRPr/>
           </a:p>
           <a:p>
-            <a:endParaRPr/>
-          </a:p>
-          <a:p>
+            <a:pPr algn="ctr">
+              <a:lnSpc>
+                <a:spcPct val="100000"/>
+              </a:lnSpc>
+            </a:pPr>
+            <a:endParaRPr/>
+          </a:p>
+          <a:p>
+            <a:pPr algn="ctr">
+              <a:lnSpc>
+                <a:spcPct val="100000"/>
+              </a:lnSpc>
+            </a:pPr>
             <a:endParaRPr/>
           </a:p>
           <a:p>
@@ -3157,7 +3175,7 @@
         <p:spPr>
           <a:xfrm>
             <a:off x="0" y="0"/>
-            <a:ext cx="10654560" cy="7558920"/>
+            <a:ext cx="10654200" cy="7558560"/>
           </a:xfrm>
           <a:prstGeom prst="rect">
             <a:avLst/>
@@ -3176,7 +3194,7 @@
         <p:spPr>
           <a:xfrm>
             <a:off x="0" y="1285920"/>
-            <a:ext cx="10654560" cy="6914880"/>
+            <a:ext cx="10654200" cy="6914520"/>
           </a:xfrm>
           <a:prstGeom prst="rect">
             <a:avLst/>
@@ -3468,7 +3486,7 @@
         <p:spPr>
           <a:xfrm>
             <a:off x="0" y="0"/>
-            <a:ext cx="10654560" cy="7558920"/>
+            <a:ext cx="10654200" cy="7558560"/>
           </a:xfrm>
           <a:prstGeom prst="rect">
             <a:avLst/>
@@ -3487,7 +3505,7 @@
         <p:spPr>
           <a:xfrm>
             <a:off x="2643120" y="1285920"/>
-            <a:ext cx="5942880" cy="516600"/>
+            <a:ext cx="5942520" cy="516240"/>
           </a:xfrm>
           <a:prstGeom prst="rect">
             <a:avLst/>
@@ -3534,7 +3552,7 @@
         <p:spPr>
           <a:xfrm>
             <a:off x="328680" y="2157480"/>
-            <a:ext cx="8914680" cy="1918800"/>
+            <a:ext cx="8914320" cy="1918440"/>
           </a:xfrm>
           <a:prstGeom prst="rect">
             <a:avLst/>
@@ -3688,7 +3706,7 @@
         <p:spPr>
           <a:xfrm>
             <a:off x="21240" y="0"/>
-            <a:ext cx="10654560" cy="7558920"/>
+            <a:ext cx="10654200" cy="7558560"/>
           </a:xfrm>
           <a:prstGeom prst="rect">
             <a:avLst/>
@@ -3707,7 +3725,7 @@
         <p:spPr>
           <a:xfrm>
             <a:off x="2643120" y="1285920"/>
-            <a:ext cx="5942880" cy="516600"/>
+            <a:ext cx="5942520" cy="516240"/>
           </a:xfrm>
           <a:prstGeom prst="rect">
             <a:avLst/>
@@ -3754,7 +3772,7 @@
         <p:spPr>
           <a:xfrm>
             <a:off x="731520" y="2135160"/>
-            <a:ext cx="8229240" cy="3074760"/>
+            <a:ext cx="8228880" cy="3074400"/>
           </a:xfrm>
           <a:prstGeom prst="rect">
             <a:avLst/>
@@ -3777,8 +3795,6 @@
               <a:lnSpc>
                 <a:spcPct val="150000"/>
               </a:lnSpc>
-              <a:buFont typeface="StarSymbol"/>
-              <a:buChar char="l"/>
             </a:pPr>
             <a:r>
               <a:rPr lang="en-US" sz="2800" strike="noStrike">
@@ -3788,8 +3804,16 @@
                 <a:latin typeface="Times New Roman"/>
                 <a:ea typeface="DejaVu Sans"/>
               </a:rPr>
-              <a:t> </a:t>
-            </a:r>
+              <a:t>1) Розміщення гри на Google Play, AppStore;</a:t>
+            </a:r>
+            <a:endParaRPr/>
+          </a:p>
+          <a:p>
+            <a:pPr>
+              <a:lnSpc>
+                <a:spcPct val="150000"/>
+              </a:lnSpc>
+            </a:pPr>
             <a:r>
               <a:rPr lang="en-US" sz="2800" strike="noStrike">
                 <a:solidFill>
@@ -3798,7 +3822,7 @@
                 <a:latin typeface="Times New Roman"/>
                 <a:ea typeface="DejaVu Sans"/>
               </a:rPr>
-              <a:t>Розміщення гри на Google Play, AppStore;</a:t>
+              <a:t>2) Співпраця з соціальними організаціями та прогресивними освітніми інститутами;</a:t>
             </a:r>
             <a:endParaRPr/>
           </a:p>
@@ -3807,8 +3831,6 @@
               <a:lnSpc>
                 <a:spcPct val="150000"/>
               </a:lnSpc>
-              <a:buFont typeface="StarSymbol"/>
-              <a:buChar char="l"/>
             </a:pPr>
             <a:r>
               <a:rPr lang="en-US" sz="2800" strike="noStrike">
@@ -3818,47 +3840,7 @@
                 <a:latin typeface="Times New Roman"/>
                 <a:ea typeface="DejaVu Sans"/>
               </a:rPr>
-              <a:t> </a:t>
-            </a:r>
-            <a:r>
-              <a:rPr lang="en-US" sz="2800" strike="noStrike">
-                <a:solidFill>
-                  <a:srgbClr val="000000"/>
-                </a:solidFill>
-                <a:latin typeface="Times New Roman"/>
-                <a:ea typeface="DejaVu Sans"/>
-              </a:rPr>
-              <a:t>Співпраця з соціальними організаціями та прогресивними освітніми інститутами;</a:t>
-            </a:r>
-            <a:endParaRPr/>
-          </a:p>
-          <a:p>
-            <a:pPr>
-              <a:lnSpc>
-                <a:spcPct val="150000"/>
-              </a:lnSpc>
-              <a:buFont typeface="StarSymbol"/>
-              <a:buChar char="l"/>
-            </a:pPr>
-            <a:r>
-              <a:rPr lang="en-US" sz="2800" strike="noStrike">
-                <a:solidFill>
-                  <a:srgbClr val="000000"/>
-                </a:solidFill>
-                <a:latin typeface="Times New Roman"/>
-                <a:ea typeface="DejaVu Sans"/>
-              </a:rPr>
-              <a:t> </a:t>
-            </a:r>
-            <a:r>
-              <a:rPr lang="en-US" sz="2800" strike="noStrike">
-                <a:solidFill>
-                  <a:srgbClr val="000000"/>
-                </a:solidFill>
-                <a:latin typeface="Times New Roman"/>
-                <a:ea typeface="DejaVu Sans"/>
-              </a:rPr>
-              <a:t>Співпраця з професійними рекламними агенствами.</a:t>
+              <a:t>3) Співпраця з професійними рекламними агенствами.</a:t>
             </a:r>
             <a:endParaRPr/>
           </a:p>
@@ -3926,7 +3908,7 @@
         <p:spPr>
           <a:xfrm>
             <a:off x="0" y="0"/>
-            <a:ext cx="10654560" cy="7558920"/>
+            <a:ext cx="10654200" cy="7558560"/>
           </a:xfrm>
           <a:prstGeom prst="rect">
             <a:avLst/>
@@ -3945,7 +3927,7 @@
         <p:spPr>
           <a:xfrm>
             <a:off x="2643120" y="1285920"/>
-            <a:ext cx="5942880" cy="516600"/>
+            <a:ext cx="5942520" cy="516240"/>
           </a:xfrm>
           <a:prstGeom prst="rect">
             <a:avLst/>
@@ -3986,8 +3968,6 @@
               <a:lnSpc>
                 <a:spcPct val="100000"/>
               </a:lnSpc>
-              <a:buFont typeface="StarSymbol"/>
-              <a:buChar char=""/>
             </a:pPr>
             <a:endParaRPr/>
           </a:p>
@@ -3996,8 +3976,6 @@
               <a:lnSpc>
                 <a:spcPct val="100000"/>
               </a:lnSpc>
-              <a:buFont typeface="StarSymbol"/>
-              <a:buChar char=""/>
             </a:pPr>
             <a:r>
               <a:rPr lang="en-US" sz="2800" strike="noStrike">
@@ -4016,8 +3994,6 @@
               <a:lnSpc>
                 <a:spcPct val="100000"/>
               </a:lnSpc>
-              <a:buFont typeface="StarSymbol"/>
-              <a:buChar char=""/>
             </a:pPr>
             <a:r>
               <a:rPr lang="en-US" sz="2800" strike="noStrike">
@@ -4035,14 +4011,14 @@
       </p:sp>
       <p:sp>
         <p:nvSpPr>
-          <p:cNvPr id="86" name="TextShape 2"/>
-          <p:cNvSpPr txBox="1"/>
+          <p:cNvPr id="86" name="CustomShape 2"/>
+          <p:cNvSpPr/>
           <p:nvPr/>
         </p:nvSpPr>
         <p:spPr>
           <a:xfrm>
             <a:off x="1902600" y="2523240"/>
-            <a:ext cx="396720" cy="369720"/>
+            <a:ext cx="396360" cy="369360"/>
           </a:xfrm>
           <a:prstGeom prst="rect">
             <a:avLst/>
@@ -4052,6 +4028,12 @@
             <a:noFill/>
           </a:ln>
         </p:spPr>
+        <p:style>
+          <a:lnRef idx="0"/>
+          <a:fillRef idx="0"/>
+          <a:effectRef idx="0"/>
+          <a:fontRef idx="minor"/>
+        </p:style>
       </p:sp>
     </p:spTree>
   </p:cSld>
@@ -4115,7 +4097,7 @@
         <p:spPr>
           <a:xfrm>
             <a:off x="548640" y="-91440"/>
-            <a:ext cx="10654560" cy="7558920"/>
+            <a:ext cx="10654200" cy="7558560"/>
           </a:xfrm>
           <a:prstGeom prst="rect">
             <a:avLst/>
@@ -4134,7 +4116,7 @@
         <p:spPr>
           <a:xfrm>
             <a:off x="2643120" y="1285920"/>
-            <a:ext cx="5942880" cy="516600"/>
+            <a:ext cx="5942520" cy="516240"/>
           </a:xfrm>
           <a:prstGeom prst="rect">
             <a:avLst/>
@@ -4181,7 +4163,7 @@
         <p:spPr>
           <a:xfrm>
             <a:off x="2631960" y="2027160"/>
-            <a:ext cx="5942880" cy="516600"/>
+            <a:ext cx="5942520" cy="516240"/>
           </a:xfrm>
           <a:prstGeom prst="rect">
             <a:avLst/>
@@ -4307,7 +4289,7 @@
         <p:spPr>
           <a:xfrm>
             <a:off x="0" y="0"/>
-            <a:ext cx="10654560" cy="7558920"/>
+            <a:ext cx="10654200" cy="7558560"/>
           </a:xfrm>
           <a:prstGeom prst="rect">
             <a:avLst/>
@@ -4326,7 +4308,7 @@
         <p:spPr>
           <a:xfrm>
             <a:off x="2643120" y="1285920"/>
-            <a:ext cx="5942880" cy="516600"/>
+            <a:ext cx="5942520" cy="516240"/>
           </a:xfrm>
           <a:prstGeom prst="rect">
             <a:avLst/>

--- a/Garbage Collector Game.pptx
+++ b/Garbage Collector Game.pptx
@@ -16,7 +16,7 @@
     <p:sldId id="263" r:id="rId11"/>
   </p:sldIdLst>
   <p:sldSz cx="10655300" cy="7559675"/>
-  <p:notesSz cx="7772400" cy="10058400"/>
+  <p:notesSz cx="7559675" cy="10691812"/>
 </p:presentation>
 </file>
 
@@ -72,7 +72,7 @@
         <p:spPr>
           <a:xfrm>
             <a:off x="532440" y="301320"/>
-            <a:ext cx="9589320" cy="1261800"/>
+            <a:ext cx="9589320" cy="1262160"/>
           </a:xfrm>
           <a:prstGeom prst="rect">
             <a:avLst/>
@@ -173,7 +173,7 @@
         <p:spPr>
           <a:xfrm>
             <a:off x="532440" y="301320"/>
-            <a:ext cx="9589320" cy="1261800"/>
+            <a:ext cx="9589320" cy="1262160"/>
           </a:xfrm>
           <a:prstGeom prst="rect">
             <a:avLst/>
@@ -326,7 +326,7 @@
         <p:spPr>
           <a:xfrm>
             <a:off x="532440" y="301320"/>
-            <a:ext cx="9589320" cy="1261800"/>
+            <a:ext cx="9589320" cy="1262160"/>
           </a:xfrm>
           <a:prstGeom prst="rect">
             <a:avLst/>
@@ -400,12 +400,14 @@
         </p:nvPicPr>
         <p:blipFill>
           <a:blip r:embed="rId2"/>
-          <a:stretch/>
+          <a:stretch>
+            <a:fillRect/>
+          </a:stretch>
         </p:blipFill>
         <p:spPr>
           <a:xfrm>
-            <a:off x="2578680" y="1768680"/>
-            <a:ext cx="5496480" cy="4384080"/>
+            <a:off x="2579040" y="1768680"/>
+            <a:ext cx="5495400" cy="4384080"/>
           </a:xfrm>
           <a:prstGeom prst="rect">
             <a:avLst/>
@@ -423,12 +425,14 @@
         </p:nvPicPr>
         <p:blipFill>
           <a:blip r:embed="rId3"/>
-          <a:stretch/>
+          <a:stretch>
+            <a:fillRect/>
+          </a:stretch>
         </p:blipFill>
         <p:spPr>
           <a:xfrm>
-            <a:off x="2578680" y="1768680"/>
-            <a:ext cx="5496480" cy="4384080"/>
+            <a:off x="2579040" y="1768680"/>
+            <a:ext cx="5495400" cy="4384080"/>
           </a:xfrm>
           <a:prstGeom prst="rect">
             <a:avLst/>
@@ -495,7 +499,7 @@
         <p:spPr>
           <a:xfrm>
             <a:off x="532440" y="301320"/>
-            <a:ext cx="9589320" cy="1261800"/>
+            <a:ext cx="9589320" cy="1262160"/>
           </a:xfrm>
           <a:prstGeom prst="rect">
             <a:avLst/>
@@ -522,7 +526,7 @@
         <p:spPr>
           <a:xfrm>
             <a:off x="532440" y="1768680"/>
-            <a:ext cx="9589320" cy="4384080"/>
+            <a:ext cx="9589320" cy="4384440"/>
           </a:xfrm>
           <a:prstGeom prst="rect">
             <a:avLst/>
@@ -571,7 +575,7 @@
         <p:spPr>
           <a:xfrm>
             <a:off x="532440" y="301320"/>
-            <a:ext cx="9589320" cy="1261800"/>
+            <a:ext cx="9589320" cy="1262160"/>
           </a:xfrm>
           <a:prstGeom prst="rect">
             <a:avLst/>
@@ -646,7 +650,7 @@
         <p:spPr>
           <a:xfrm>
             <a:off x="532440" y="301320"/>
-            <a:ext cx="9589320" cy="1261800"/>
+            <a:ext cx="9589320" cy="1262160"/>
           </a:xfrm>
           <a:prstGeom prst="rect">
             <a:avLst/>
@@ -747,7 +751,7 @@
         <p:spPr>
           <a:xfrm>
             <a:off x="532440" y="301320"/>
-            <a:ext cx="9589320" cy="1261800"/>
+            <a:ext cx="9589320" cy="1262160"/>
           </a:xfrm>
           <a:prstGeom prst="rect">
             <a:avLst/>
@@ -796,7 +800,7 @@
         <p:spPr>
           <a:xfrm>
             <a:off x="532440" y="301320"/>
-            <a:ext cx="9589320" cy="5850360"/>
+            <a:ext cx="9589320" cy="5850720"/>
           </a:xfrm>
           <a:prstGeom prst="rect">
             <a:avLst/>
@@ -845,7 +849,7 @@
         <p:spPr>
           <a:xfrm>
             <a:off x="532440" y="301320"/>
-            <a:ext cx="9589320" cy="1261800"/>
+            <a:ext cx="9589320" cy="1262160"/>
           </a:xfrm>
           <a:prstGeom prst="rect">
             <a:avLst/>
@@ -972,7 +976,7 @@
         <p:spPr>
           <a:xfrm>
             <a:off x="532440" y="301320"/>
-            <a:ext cx="9589320" cy="1261800"/>
+            <a:ext cx="9589320" cy="1262160"/>
           </a:xfrm>
           <a:prstGeom prst="rect">
             <a:avLst/>
@@ -999,7 +1003,7 @@
         <p:spPr>
           <a:xfrm>
             <a:off x="532440" y="1768680"/>
-            <a:ext cx="9589320" cy="4384080"/>
+            <a:ext cx="9589320" cy="4384440"/>
           </a:xfrm>
           <a:prstGeom prst="rect">
             <a:avLst/>
@@ -1048,7 +1052,7 @@
         <p:spPr>
           <a:xfrm>
             <a:off x="532440" y="301320"/>
-            <a:ext cx="9589320" cy="1261800"/>
+            <a:ext cx="9589320" cy="1262160"/>
           </a:xfrm>
           <a:prstGeom prst="rect">
             <a:avLst/>
@@ -1175,7 +1179,7 @@
         <p:spPr>
           <a:xfrm>
             <a:off x="532440" y="301320"/>
-            <a:ext cx="9589320" cy="1261800"/>
+            <a:ext cx="9589320" cy="1262160"/>
           </a:xfrm>
           <a:prstGeom prst="rect">
             <a:avLst/>
@@ -1302,7 +1306,7 @@
         <p:spPr>
           <a:xfrm>
             <a:off x="532440" y="301320"/>
-            <a:ext cx="9589320" cy="1261800"/>
+            <a:ext cx="9589320" cy="1262160"/>
           </a:xfrm>
           <a:prstGeom prst="rect">
             <a:avLst/>
@@ -1403,7 +1407,7 @@
         <p:spPr>
           <a:xfrm>
             <a:off x="532440" y="301320"/>
-            <a:ext cx="9589320" cy="1261800"/>
+            <a:ext cx="9589320" cy="1262160"/>
           </a:xfrm>
           <a:prstGeom prst="rect">
             <a:avLst/>
@@ -1556,7 +1560,7 @@
         <p:spPr>
           <a:xfrm>
             <a:off x="532440" y="301320"/>
-            <a:ext cx="9589320" cy="1261800"/>
+            <a:ext cx="9589320" cy="1262160"/>
           </a:xfrm>
           <a:prstGeom prst="rect">
             <a:avLst/>
@@ -1630,12 +1634,14 @@
         </p:nvPicPr>
         <p:blipFill>
           <a:blip r:embed="rId2"/>
-          <a:stretch/>
+          <a:stretch>
+            <a:fillRect/>
+          </a:stretch>
         </p:blipFill>
         <p:spPr>
           <a:xfrm>
-            <a:off x="2578680" y="1768680"/>
-            <a:ext cx="5496480" cy="4384080"/>
+            <a:off x="2579040" y="1768680"/>
+            <a:ext cx="5495400" cy="4384080"/>
           </a:xfrm>
           <a:prstGeom prst="rect">
             <a:avLst/>
@@ -1653,12 +1659,14 @@
         </p:nvPicPr>
         <p:blipFill>
           <a:blip r:embed="rId3"/>
-          <a:stretch/>
+          <a:stretch>
+            <a:fillRect/>
+          </a:stretch>
         </p:blipFill>
         <p:spPr>
           <a:xfrm>
-            <a:off x="2578680" y="1768680"/>
-            <a:ext cx="5496480" cy="4384080"/>
+            <a:off x="2579040" y="1768680"/>
+            <a:ext cx="5495400" cy="4384080"/>
           </a:xfrm>
           <a:prstGeom prst="rect">
             <a:avLst/>
@@ -1703,7 +1711,7 @@
         <p:spPr>
           <a:xfrm>
             <a:off x="532440" y="301320"/>
-            <a:ext cx="9589320" cy="1261800"/>
+            <a:ext cx="9589320" cy="1262160"/>
           </a:xfrm>
           <a:prstGeom prst="rect">
             <a:avLst/>
@@ -1778,7 +1786,7 @@
         <p:spPr>
           <a:xfrm>
             <a:off x="532440" y="301320"/>
-            <a:ext cx="9589320" cy="1261800"/>
+            <a:ext cx="9589320" cy="1262160"/>
           </a:xfrm>
           <a:prstGeom prst="rect">
             <a:avLst/>
@@ -1879,7 +1887,7 @@
         <p:spPr>
           <a:xfrm>
             <a:off x="532440" y="301320"/>
-            <a:ext cx="9589320" cy="1261800"/>
+            <a:ext cx="9589320" cy="1262160"/>
           </a:xfrm>
           <a:prstGeom prst="rect">
             <a:avLst/>
@@ -1928,7 +1936,7 @@
         <p:spPr>
           <a:xfrm>
             <a:off x="532440" y="301320"/>
-            <a:ext cx="9589320" cy="5850360"/>
+            <a:ext cx="9589320" cy="5850720"/>
           </a:xfrm>
           <a:prstGeom prst="rect">
             <a:avLst/>
@@ -1977,7 +1985,7 @@
         <p:spPr>
           <a:xfrm>
             <a:off x="532440" y="301320"/>
-            <a:ext cx="9589320" cy="1261800"/>
+            <a:ext cx="9589320" cy="1262160"/>
           </a:xfrm>
           <a:prstGeom prst="rect">
             <a:avLst/>
@@ -2104,7 +2112,7 @@
         <p:spPr>
           <a:xfrm>
             <a:off x="532440" y="301320"/>
-            <a:ext cx="9589320" cy="1261800"/>
+            <a:ext cx="9589320" cy="1262160"/>
           </a:xfrm>
           <a:prstGeom prst="rect">
             <a:avLst/>
@@ -2231,7 +2239,7 @@
         <p:spPr>
           <a:xfrm>
             <a:off x="532440" y="301320"/>
-            <a:ext cx="9589320" cy="1261800"/>
+            <a:ext cx="9589320" cy="1262160"/>
           </a:xfrm>
           <a:prstGeom prst="rect">
             <a:avLst/>
@@ -2365,7 +2373,7 @@
         <p:spPr>
           <a:xfrm>
             <a:off x="532440" y="301320"/>
-            <a:ext cx="9588960" cy="1261440"/>
+            <a:ext cx="9589320" cy="1261800"/>
           </a:xfrm>
           <a:prstGeom prst="rect">
             <a:avLst/>
@@ -2374,8 +2382,9 @@
         <p:txBody>
           <a:bodyPr lIns="0" rIns="0" tIns="0" bIns="0" anchor="ctr"/>
           <a:p>
-            <a:r>
-              <a:rPr lang="en-US">
+            <a:pPr algn="ctr"/>
+            <a:r>
+              <a:rPr lang="en-US" sz="4400">
                 <a:latin typeface="Arial"/>
               </a:rPr>
               <a:t>Click to edit the title text format</a:t>
@@ -2397,7 +2406,7 @@
         <p:spPr>
           <a:xfrm>
             <a:off x="532440" y="1768680"/>
-            <a:ext cx="9588960" cy="4383720"/>
+            <a:ext cx="9589320" cy="4384080"/>
           </a:xfrm>
           <a:prstGeom prst="rect">
             <a:avLst/>
@@ -2412,7 +2421,7 @@
               <a:buChar char=""/>
             </a:pPr>
             <a:r>
-              <a:rPr lang="en-US">
+              <a:rPr lang="en-US" sz="3200">
                 <a:latin typeface="Arial"/>
               </a:rPr>
               <a:t>Click to edit the outline text format</a:t>
@@ -2426,7 +2435,7 @@
               <a:buChar char=""/>
             </a:pPr>
             <a:r>
-              <a:rPr lang="en-US">
+              <a:rPr lang="en-US" sz="2800">
                 <a:latin typeface="Arial"/>
               </a:rPr>
               <a:t>Second Outline Level</a:t>
@@ -2440,7 +2449,7 @@
               <a:buChar char=""/>
             </a:pPr>
             <a:r>
-              <a:rPr lang="en-US">
+              <a:rPr lang="en-US" sz="2400">
                 <a:latin typeface="Arial"/>
               </a:rPr>
               <a:t>Third Outline Level</a:t>
@@ -2454,7 +2463,7 @@
               <a:buChar char=""/>
             </a:pPr>
             <a:r>
-              <a:rPr lang="en-US">
+              <a:rPr lang="en-US" sz="2000">
                 <a:latin typeface="Arial"/>
               </a:rPr>
               <a:t>Fourth Outline Level</a:t>
@@ -2468,7 +2477,7 @@
               <a:buChar char=""/>
             </a:pPr>
             <a:r>
-              <a:rPr lang="en-US">
+              <a:rPr lang="en-US" sz="2000">
                 <a:latin typeface="Arial"/>
               </a:rPr>
               <a:t>Fifth Outline Level</a:t>
@@ -2482,7 +2491,7 @@
               <a:buChar char=""/>
             </a:pPr>
             <a:r>
-              <a:rPr lang="en-US">
+              <a:rPr lang="en-US" sz="2000">
                 <a:latin typeface="Arial"/>
               </a:rPr>
               <a:t>Sixth Outline Level</a:t>
@@ -2496,7 +2505,7 @@
               <a:buChar char=""/>
             </a:pPr>
             <a:r>
-              <a:rPr lang="en-US">
+              <a:rPr lang="en-US" sz="2000">
                 <a:latin typeface="Arial"/>
               </a:rPr>
               <a:t>Seventh Outline Level</a:t>
@@ -2748,12 +2757,14 @@
         </p:nvPicPr>
         <p:blipFill>
           <a:blip r:embed="rId1"/>
-          <a:stretch/>
+          <a:stretch>
+            <a:fillRect/>
+          </a:stretch>
         </p:blipFill>
         <p:spPr>
           <a:xfrm>
             <a:off x="5760" y="360"/>
-            <a:ext cx="10654200" cy="7558560"/>
+            <a:ext cx="10653840" cy="7558200"/>
           </a:xfrm>
           <a:prstGeom prst="rect">
             <a:avLst/>
@@ -2772,7 +2783,7 @@
         <p:spPr>
           <a:xfrm>
             <a:off x="1000080" y="2114640"/>
-            <a:ext cx="9789120" cy="2832840"/>
+            <a:ext cx="9788760" cy="2832480"/>
           </a:xfrm>
           <a:prstGeom prst="rect">
             <a:avLst/>
@@ -2782,17 +2793,11 @@
             <a:noFill/>
           </a:ln>
         </p:spPr>
-        <p:style>
-          <a:lnRef idx="0"/>
-          <a:fillRef idx="0"/>
-          <a:effectRef idx="0"/>
-          <a:fontRef idx="minor"/>
-        </p:style>
         <p:txBody>
           <a:bodyPr lIns="90000" rIns="90000" tIns="45000" bIns="45000"/>
           <a:p>
             <a:r>
-              <a:rPr b="1" lang="en-US" sz="3600" strike="noStrike">
+              <a:rPr b="1" lang="en-US" sz="3600">
                 <a:solidFill>
                   <a:srgbClr val="000000"/>
                 </a:solidFill>
@@ -2802,7 +2807,7 @@
               <a:t>Назва команди:</a:t>
             </a:r>
             <a:r>
-              <a:rPr lang="en-US" sz="3600" strike="noStrike">
+              <a:rPr lang="en-US" sz="3600">
                 <a:solidFill>
                   <a:srgbClr val="000000"/>
                 </a:solidFill>
@@ -2820,7 +2825,7 @@
               </a:lnSpc>
             </a:pPr>
             <a:r>
-              <a:rPr b="1" lang="en-US" sz="3600" strike="noStrike">
+              <a:rPr b="1" lang="en-US" sz="3600">
                 <a:solidFill>
                   <a:srgbClr val="000000"/>
                 </a:solidFill>
@@ -2830,7 +2835,7 @@
               <a:t>Учасники:</a:t>
             </a:r>
             <a:r>
-              <a:rPr lang="en-US" sz="3600" strike="noStrike">
+              <a:rPr lang="en-US" sz="3600">
                 <a:solidFill>
                   <a:srgbClr val="000000"/>
                 </a:solidFill>
@@ -2848,7 +2853,7 @@
               </a:lnSpc>
             </a:pPr>
             <a:r>
-              <a:rPr b="1" lang="en-US" sz="3600" strike="noStrike">
+              <a:rPr b="1" lang="en-US" sz="3600">
                 <a:solidFill>
                   <a:srgbClr val="000000"/>
                 </a:solidFill>
@@ -2858,7 +2863,7 @@
               <a:t>Стихія:</a:t>
             </a:r>
             <a:r>
-              <a:rPr lang="en-US" sz="3600" strike="noStrike">
+              <a:rPr lang="en-US" sz="3600">
                 <a:solidFill>
                   <a:srgbClr val="000000"/>
                 </a:solidFill>
@@ -2876,7 +2881,7 @@
               </a:lnSpc>
             </a:pPr>
             <a:r>
-              <a:rPr b="1" lang="en-US" sz="3600" strike="noStrike">
+              <a:rPr b="1" lang="en-US" sz="3600">
                 <a:solidFill>
                   <a:srgbClr val="000000"/>
                 </a:solidFill>
@@ -2886,7 +2891,7 @@
               <a:t>Назва проекту:</a:t>
             </a:r>
             <a:r>
-              <a:rPr lang="en-US" sz="3600" strike="noStrike">
+              <a:rPr lang="en-US" sz="3600">
                 <a:solidFill>
                   <a:srgbClr val="000000"/>
                 </a:solidFill>
@@ -2963,12 +2968,14 @@
         </p:nvPicPr>
         <p:blipFill>
           <a:blip r:embed="rId1"/>
-          <a:stretch/>
+          <a:stretch>
+            <a:fillRect/>
+          </a:stretch>
         </p:blipFill>
         <p:spPr>
           <a:xfrm>
             <a:off x="1800" y="0"/>
-            <a:ext cx="10654200" cy="7558560"/>
+            <a:ext cx="10653840" cy="7558200"/>
           </a:xfrm>
           <a:prstGeom prst="rect">
             <a:avLst/>
@@ -2987,7 +2994,7 @@
         <p:spPr>
           <a:xfrm>
             <a:off x="2814480" y="1343160"/>
-            <a:ext cx="5942520" cy="5208120"/>
+            <a:ext cx="5942160" cy="5207760"/>
           </a:xfrm>
           <a:prstGeom prst="rect">
             <a:avLst/>
@@ -2997,12 +3004,6 @@
             <a:noFill/>
           </a:ln>
         </p:spPr>
-        <p:style>
-          <a:lnRef idx="0"/>
-          <a:fillRef idx="0"/>
-          <a:effectRef idx="0"/>
-          <a:fontRef idx="minor"/>
-        </p:style>
         <p:txBody>
           <a:bodyPr lIns="90000" rIns="90000" tIns="45000" bIns="45000"/>
           <a:p>
@@ -3012,7 +3013,7 @@
               </a:lnSpc>
             </a:pPr>
             <a:r>
-              <a:rPr b="1" lang="en-US" sz="2800" strike="noStrike">
+              <a:rPr b="1" lang="en-US" sz="2800">
                 <a:solidFill>
                   <a:srgbClr val="000000"/>
                 </a:solidFill>
@@ -3030,7 +3031,7 @@
               </a:lnSpc>
             </a:pPr>
             <a:r>
-              <a:rPr lang="en-US" sz="2800" strike="noStrike">
+              <a:rPr lang="en-US" sz="2800">
                 <a:solidFill>
                   <a:srgbClr val="000000"/>
                 </a:solidFill>
@@ -3064,7 +3065,7 @@
               </a:lnSpc>
             </a:pPr>
             <a:r>
-              <a:rPr b="1" lang="en-US" sz="2800" strike="noStrike">
+              <a:rPr b="1" lang="en-US" sz="2800">
                 <a:solidFill>
                   <a:srgbClr val="000000"/>
                 </a:solidFill>
@@ -3082,7 +3083,7 @@
               </a:lnSpc>
             </a:pPr>
             <a:r>
-              <a:rPr lang="en-US" sz="2800" strike="noStrike">
+              <a:rPr lang="en-US" sz="2800">
                 <a:solidFill>
                   <a:srgbClr val="000000"/>
                 </a:solidFill>
@@ -3100,7 +3101,7 @@
               </a:lnSpc>
             </a:pPr>
             <a:r>
-              <a:rPr lang="en-US" sz="2800" strike="noStrike">
+              <a:rPr lang="en-US" sz="2800">
                 <a:solidFill>
                   <a:srgbClr val="000000"/>
                 </a:solidFill>
@@ -3170,12 +3171,14 @@
         </p:nvPicPr>
         <p:blipFill>
           <a:blip r:embed="rId1"/>
-          <a:stretch/>
+          <a:stretch>
+            <a:fillRect/>
+          </a:stretch>
         </p:blipFill>
         <p:spPr>
           <a:xfrm>
             <a:off x="0" y="0"/>
-            <a:ext cx="10654200" cy="7558560"/>
+            <a:ext cx="10653840" cy="7558200"/>
           </a:xfrm>
           <a:prstGeom prst="rect">
             <a:avLst/>
@@ -3194,7 +3197,7 @@
         <p:spPr>
           <a:xfrm>
             <a:off x="0" y="1285920"/>
-            <a:ext cx="10654200" cy="6914520"/>
+            <a:ext cx="10653840" cy="6914160"/>
           </a:xfrm>
           <a:prstGeom prst="rect">
             <a:avLst/>
@@ -3204,12 +3207,6 @@
             <a:noFill/>
           </a:ln>
         </p:spPr>
-        <p:style>
-          <a:lnRef idx="0"/>
-          <a:fillRef idx="0"/>
-          <a:effectRef idx="0"/>
-          <a:fontRef idx="minor"/>
-        </p:style>
         <p:txBody>
           <a:bodyPr lIns="90000" rIns="90000" tIns="45000" bIns="45000"/>
           <a:p>
@@ -3219,7 +3216,7 @@
               </a:lnSpc>
             </a:pPr>
             <a:r>
-              <a:rPr b="1" lang="en-US" sz="2800" strike="noStrike">
+              <a:rPr b="1" lang="en-US" sz="2800">
                 <a:solidFill>
                   <a:srgbClr val="000000"/>
                 </a:solidFill>
@@ -3237,7 +3234,7 @@
               </a:lnSpc>
             </a:pPr>
             <a:r>
-              <a:rPr lang="en-US" sz="2800" strike="noStrike">
+              <a:rPr lang="en-US" sz="2800">
                 <a:solidFill>
                   <a:srgbClr val="000000"/>
                 </a:solidFill>
@@ -3255,7 +3252,7 @@
               </a:lnSpc>
             </a:pPr>
             <a:r>
-              <a:rPr lang="en-US" sz="2800" strike="noStrike">
+              <a:rPr lang="en-US" sz="2800">
                 <a:solidFill>
                   <a:srgbClr val="000000"/>
                 </a:solidFill>
@@ -3273,7 +3270,7 @@
               </a:lnSpc>
             </a:pPr>
             <a:r>
-              <a:rPr lang="en-US" sz="2800" strike="noStrike">
+              <a:rPr lang="en-US" sz="2800">
                 <a:solidFill>
                   <a:srgbClr val="000000"/>
                 </a:solidFill>
@@ -3307,7 +3304,7 @@
               </a:lnSpc>
             </a:pPr>
             <a:r>
-              <a:rPr b="1" lang="en-US" sz="2800" strike="noStrike">
+              <a:rPr b="1" lang="en-US" sz="2800">
                 <a:solidFill>
                   <a:srgbClr val="000000"/>
                 </a:solidFill>
@@ -3325,7 +3322,7 @@
               </a:lnSpc>
             </a:pPr>
             <a:r>
-              <a:rPr lang="en-US" sz="2800" strike="noStrike">
+              <a:rPr lang="en-US" sz="2800">
                 <a:solidFill>
                   <a:srgbClr val="000000"/>
                 </a:solidFill>
@@ -3343,7 +3340,7 @@
               </a:lnSpc>
             </a:pPr>
             <a:r>
-              <a:rPr lang="en-US" sz="2800" strike="noStrike">
+              <a:rPr lang="en-US" sz="2800">
                 <a:solidFill>
                   <a:srgbClr val="000000"/>
                 </a:solidFill>
@@ -3353,7 +3350,7 @@
               <a:t> </a:t>
             </a:r>
             <a:r>
-              <a:rPr lang="en-US" sz="2800" strike="noStrike">
+              <a:rPr lang="en-US" sz="2800">
                 <a:solidFill>
                   <a:srgbClr val="000000"/>
                 </a:solidFill>
@@ -3371,7 +3368,7 @@
               </a:lnSpc>
             </a:pPr>
             <a:r>
-              <a:rPr lang="en-US" sz="2800" strike="noStrike">
+              <a:rPr lang="en-US" sz="2800">
                 <a:solidFill>
                   <a:srgbClr val="000000"/>
                 </a:solidFill>
@@ -3481,12 +3478,14 @@
         </p:nvPicPr>
         <p:blipFill>
           <a:blip r:embed="rId1"/>
-          <a:stretch/>
+          <a:stretch>
+            <a:fillRect/>
+          </a:stretch>
         </p:blipFill>
         <p:spPr>
           <a:xfrm>
             <a:off x="0" y="0"/>
-            <a:ext cx="10654200" cy="7558560"/>
+            <a:ext cx="10653840" cy="7558200"/>
           </a:xfrm>
           <a:prstGeom prst="rect">
             <a:avLst/>
@@ -3505,7 +3504,7 @@
         <p:spPr>
           <a:xfrm>
             <a:off x="2643120" y="1285920"/>
-            <a:ext cx="5942520" cy="516240"/>
+            <a:ext cx="5942160" cy="515880"/>
           </a:xfrm>
           <a:prstGeom prst="rect">
             <a:avLst/>
@@ -3515,12 +3514,6 @@
             <a:noFill/>
           </a:ln>
         </p:spPr>
-        <p:style>
-          <a:lnRef idx="0"/>
-          <a:fillRef idx="0"/>
-          <a:effectRef idx="0"/>
-          <a:fontRef idx="minor"/>
-        </p:style>
         <p:txBody>
           <a:bodyPr lIns="90000" rIns="90000" tIns="45000" bIns="45000"/>
           <a:p>
@@ -3530,7 +3523,7 @@
               </a:lnSpc>
             </a:pPr>
             <a:r>
-              <a:rPr lang="en-US" sz="2800" strike="noStrike">
+              <a:rPr lang="en-US" sz="2800">
                 <a:solidFill>
                   <a:srgbClr val="000000"/>
                 </a:solidFill>
@@ -3552,7 +3545,7 @@
         <p:spPr>
           <a:xfrm>
             <a:off x="328680" y="2157480"/>
-            <a:ext cx="8914320" cy="1918440"/>
+            <a:ext cx="8913960" cy="1918080"/>
           </a:xfrm>
           <a:prstGeom prst="rect">
             <a:avLst/>
@@ -3562,12 +3555,6 @@
             <a:noFill/>
           </a:ln>
         </p:spPr>
-        <p:style>
-          <a:lnRef idx="0"/>
-          <a:fillRef idx="0"/>
-          <a:effectRef idx="0"/>
-          <a:fontRef idx="minor"/>
-        </p:style>
         <p:txBody>
           <a:bodyPr lIns="90000" rIns="90000" tIns="45000" bIns="45000"/>
           <a:p>
@@ -3577,7 +3564,7 @@
               </a:lnSpc>
             </a:pPr>
             <a:r>
-              <a:rPr b="1" lang="en-US" sz="2400" strike="noStrike">
+              <a:rPr b="1" lang="en-US" sz="2400">
                 <a:solidFill>
                   <a:srgbClr val="000000"/>
                 </a:solidFill>
@@ -3595,7 +3582,7 @@
               </a:lnSpc>
             </a:pPr>
             <a:r>
-              <a:rPr lang="en-US" sz="2400" strike="noStrike">
+              <a:rPr lang="en-US" sz="2400">
                 <a:solidFill>
                   <a:srgbClr val="000000"/>
                 </a:solidFill>
@@ -3613,7 +3600,7 @@
               </a:lnSpc>
             </a:pPr>
             <a:r>
-              <a:rPr b="1" lang="en-US" sz="2400" strike="noStrike">
+              <a:rPr b="1" lang="en-US" sz="2400">
                 <a:solidFill>
                   <a:srgbClr val="000000"/>
                 </a:solidFill>
@@ -3631,7 +3618,7 @@
               </a:lnSpc>
             </a:pPr>
             <a:r>
-              <a:rPr lang="en-US" sz="2400" strike="noStrike">
+              <a:rPr lang="en-US" sz="2400">
                 <a:solidFill>
                   <a:srgbClr val="000000"/>
                 </a:solidFill>
@@ -3639,6 +3626,24 @@
                 <a:ea typeface="DejaVu Sans"/>
               </a:rPr>
               <a:t>Кросплатформенна гра з багатьма ігровими режимами, системою соціалізації, мотивації та монетизації.</a:t>
+            </a:r>
+            <a:endParaRPr/>
+          </a:p>
+          <a:p>
+            <a:pPr>
+              <a:lnSpc>
+                <a:spcPct val="100000"/>
+              </a:lnSpc>
+            </a:pPr>
+            <a:r>
+              <a:rPr lang="en-US" sz="2400">
+                <a:solidFill>
+                  <a:srgbClr val="000000"/>
+                </a:solidFill>
+                <a:latin typeface="Times New Roman"/>
+                <a:ea typeface="DejaVu Sans"/>
+              </a:rPr>
+              <a:t>В якості одного з режимів буде додано можливість звільнення  довільного міста від сміття.</a:t>
             </a:r>
             <a:endParaRPr/>
           </a:p>
@@ -3701,12 +3706,14 @@
         </p:nvPicPr>
         <p:blipFill>
           <a:blip r:embed="rId1"/>
-          <a:stretch/>
+          <a:stretch>
+            <a:fillRect/>
+          </a:stretch>
         </p:blipFill>
         <p:spPr>
           <a:xfrm>
-            <a:off x="21240" y="0"/>
-            <a:ext cx="10654200" cy="7558560"/>
+            <a:off x="410400" y="1440"/>
+            <a:ext cx="10653840" cy="7558200"/>
           </a:xfrm>
           <a:prstGeom prst="rect">
             <a:avLst/>
@@ -3725,7 +3732,7 @@
         <p:spPr>
           <a:xfrm>
             <a:off x="2643120" y="1285920"/>
-            <a:ext cx="5942520" cy="516240"/>
+            <a:ext cx="5942160" cy="515880"/>
           </a:xfrm>
           <a:prstGeom prst="rect">
             <a:avLst/>
@@ -3735,12 +3742,6 @@
             <a:noFill/>
           </a:ln>
         </p:spPr>
-        <p:style>
-          <a:lnRef idx="0"/>
-          <a:fillRef idx="0"/>
-          <a:effectRef idx="0"/>
-          <a:fontRef idx="minor"/>
-        </p:style>
         <p:txBody>
           <a:bodyPr lIns="90000" rIns="90000" tIns="45000" bIns="45000"/>
           <a:p>
@@ -3750,7 +3751,7 @@
               </a:lnSpc>
             </a:pPr>
             <a:r>
-              <a:rPr lang="en-US" sz="2800" strike="noStrike">
+              <a:rPr lang="en-US" sz="2800">
                 <a:solidFill>
                   <a:srgbClr val="000000"/>
                 </a:solidFill>
@@ -3772,7 +3773,7 @@
         <p:spPr>
           <a:xfrm>
             <a:off x="731520" y="2135160"/>
-            <a:ext cx="8228880" cy="3074400"/>
+            <a:ext cx="8228520" cy="3074040"/>
           </a:xfrm>
           <a:prstGeom prst="rect">
             <a:avLst/>
@@ -3782,12 +3783,6 @@
             <a:noFill/>
           </a:ln>
         </p:spPr>
-        <p:style>
-          <a:lnRef idx="0"/>
-          <a:fillRef idx="0"/>
-          <a:effectRef idx="0"/>
-          <a:fontRef idx="minor"/>
-        </p:style>
         <p:txBody>
           <a:bodyPr lIns="90000" rIns="90000" tIns="45000" bIns="45000"/>
           <a:p>
@@ -3797,7 +3792,7 @@
               </a:lnSpc>
             </a:pPr>
             <a:r>
-              <a:rPr lang="en-US" sz="2800" strike="noStrike">
+              <a:rPr lang="en-US" sz="2800">
                 <a:solidFill>
                   <a:srgbClr val="000000"/>
                 </a:solidFill>
@@ -3815,14 +3810,14 @@
               </a:lnSpc>
             </a:pPr>
             <a:r>
-              <a:rPr lang="en-US" sz="2800" strike="noStrike">
+              <a:rPr lang="en-US" sz="2800">
                 <a:solidFill>
                   <a:srgbClr val="000000"/>
                 </a:solidFill>
                 <a:latin typeface="Times New Roman"/>
                 <a:ea typeface="DejaVu Sans"/>
               </a:rPr>
-              <a:t>2) Співпраця з соціальними організаціями та прогресивними освітніми інститутами;</a:t>
+              <a:t>2) Розробка анімаційних героїв, що рятують землю від сміття, а також антигероїв;</a:t>
             </a:r>
             <a:endParaRPr/>
           </a:p>
@@ -3833,14 +3828,32 @@
               </a:lnSpc>
             </a:pPr>
             <a:r>
-              <a:rPr lang="en-US" sz="2800" strike="noStrike">
+              <a:rPr lang="en-US" sz="2800">
                 <a:solidFill>
                   <a:srgbClr val="000000"/>
                 </a:solidFill>
                 <a:latin typeface="Times New Roman"/>
                 <a:ea typeface="DejaVu Sans"/>
               </a:rPr>
-              <a:t>3) Співпраця з професійними рекламними агенствами.</a:t>
+              <a:t>3) Співпраця з професійними рекламними агенціями;</a:t>
+            </a:r>
+            <a:endParaRPr/>
+          </a:p>
+          <a:p>
+            <a:pPr>
+              <a:lnSpc>
+                <a:spcPct val="150000"/>
+              </a:lnSpc>
+            </a:pPr>
+            <a:r>
+              <a:rPr lang="en-US" sz="2800">
+                <a:solidFill>
+                  <a:srgbClr val="000000"/>
+                </a:solidFill>
+                <a:latin typeface="Times New Roman"/>
+                <a:ea typeface="DejaVu Sans"/>
+              </a:rPr>
+              <a:t>4) Можливе залучення до розкрутки компаній із впізнаваними брендами (Coca-cola).</a:t>
             </a:r>
             <a:endParaRPr/>
           </a:p>
@@ -3903,12 +3916,14 @@
         </p:nvPicPr>
         <p:blipFill>
           <a:blip r:embed="rId1"/>
-          <a:stretch/>
+          <a:stretch>
+            <a:fillRect/>
+          </a:stretch>
         </p:blipFill>
         <p:spPr>
           <a:xfrm>
             <a:off x="0" y="0"/>
-            <a:ext cx="10654200" cy="7558560"/>
+            <a:ext cx="10653840" cy="7558200"/>
           </a:xfrm>
           <a:prstGeom prst="rect">
             <a:avLst/>
@@ -3927,7 +3942,7 @@
         <p:spPr>
           <a:xfrm>
             <a:off x="2643120" y="1285920"/>
-            <a:ext cx="5942520" cy="516240"/>
+            <a:ext cx="5942160" cy="515880"/>
           </a:xfrm>
           <a:prstGeom prst="rect">
             <a:avLst/>
@@ -3937,12 +3952,6 @@
             <a:noFill/>
           </a:ln>
         </p:spPr>
-        <p:style>
-          <a:lnRef idx="0"/>
-          <a:fillRef idx="0"/>
-          <a:effectRef idx="0"/>
-          <a:fontRef idx="minor"/>
-        </p:style>
         <p:txBody>
           <a:bodyPr lIns="90000" rIns="90000" tIns="45000" bIns="45000"/>
           <a:p>
@@ -3952,7 +3961,7 @@
               </a:lnSpc>
             </a:pPr>
             <a:r>
-              <a:rPr lang="en-US" sz="2800" strike="noStrike">
+              <a:rPr lang="en-US" sz="2800">
                 <a:solidFill>
                   <a:srgbClr val="000000"/>
                 </a:solidFill>
@@ -3978,7 +3987,7 @@
               </a:lnSpc>
             </a:pPr>
             <a:r>
-              <a:rPr lang="en-US" sz="2800" strike="noStrike">
+              <a:rPr lang="en-US" sz="2800">
                 <a:solidFill>
                   <a:srgbClr val="000000"/>
                 </a:solidFill>
@@ -3996,7 +4005,7 @@
               </a:lnSpc>
             </a:pPr>
             <a:r>
-              <a:rPr lang="en-US" sz="2800" strike="noStrike">
+              <a:rPr lang="en-US" sz="2800">
                 <a:solidFill>
                   <a:srgbClr val="000000"/>
                 </a:solidFill>
@@ -4018,7 +4027,7 @@
         <p:spPr>
           <a:xfrm>
             <a:off x="1902600" y="2523240"/>
-            <a:ext cx="396360" cy="369360"/>
+            <a:ext cx="396000" cy="369000"/>
           </a:xfrm>
           <a:prstGeom prst="rect">
             <a:avLst/>
@@ -4028,12 +4037,6 @@
             <a:noFill/>
           </a:ln>
         </p:spPr>
-        <p:style>
-          <a:lnRef idx="0"/>
-          <a:fillRef idx="0"/>
-          <a:effectRef idx="0"/>
-          <a:fontRef idx="minor"/>
-        </p:style>
       </p:sp>
     </p:spTree>
   </p:cSld>
@@ -4092,12 +4095,14 @@
         </p:nvPicPr>
         <p:blipFill>
           <a:blip r:embed="rId1"/>
-          <a:stretch/>
+          <a:stretch>
+            <a:fillRect/>
+          </a:stretch>
         </p:blipFill>
         <p:spPr>
           <a:xfrm>
             <a:off x="548640" y="-91440"/>
-            <a:ext cx="10654200" cy="7558560"/>
+            <a:ext cx="10653840" cy="7558200"/>
           </a:xfrm>
           <a:prstGeom prst="rect">
             <a:avLst/>
@@ -4116,7 +4121,7 @@
         <p:spPr>
           <a:xfrm>
             <a:off x="2643120" y="1285920"/>
-            <a:ext cx="5942520" cy="516240"/>
+            <a:ext cx="5942160" cy="515880"/>
           </a:xfrm>
           <a:prstGeom prst="rect">
             <a:avLst/>
@@ -4126,12 +4131,6 @@
             <a:noFill/>
           </a:ln>
         </p:spPr>
-        <p:style>
-          <a:lnRef idx="0"/>
-          <a:fillRef idx="0"/>
-          <a:effectRef idx="0"/>
-          <a:fontRef idx="minor"/>
-        </p:style>
         <p:txBody>
           <a:bodyPr lIns="90000" rIns="90000" tIns="45000" bIns="45000"/>
           <a:p>
@@ -4141,7 +4140,7 @@
               </a:lnSpc>
             </a:pPr>
             <a:r>
-              <a:rPr lang="en-US" sz="2800" strike="noStrike">
+              <a:rPr lang="en-US" sz="2800">
                 <a:solidFill>
                   <a:srgbClr val="000000"/>
                 </a:solidFill>
@@ -4163,7 +4162,7 @@
         <p:spPr>
           <a:xfrm>
             <a:off x="2631960" y="2027160"/>
-            <a:ext cx="5942520" cy="516240"/>
+            <a:ext cx="5942160" cy="515880"/>
           </a:xfrm>
           <a:prstGeom prst="rect">
             <a:avLst/>
@@ -4173,12 +4172,6 @@
             <a:noFill/>
           </a:ln>
         </p:spPr>
-        <p:style>
-          <a:lnRef idx="0"/>
-          <a:fillRef idx="0"/>
-          <a:effectRef idx="0"/>
-          <a:fontRef idx="minor"/>
-        </p:style>
         <p:txBody>
           <a:bodyPr lIns="90000" rIns="90000" tIns="45000" bIns="45000"/>
           <a:p>
@@ -4188,14 +4181,14 @@
               </a:lnSpc>
             </a:pPr>
             <a:r>
-              <a:rPr lang="en-US" sz="2800" strike="noStrike">
+              <a:rPr lang="en-US" sz="2800">
                 <a:solidFill>
                   <a:srgbClr val="000000"/>
                 </a:solidFill>
                 <a:latin typeface="Times New Roman"/>
                 <a:ea typeface="DejaVu Sans"/>
               </a:rPr>
-              <a:t>1) Витрати на рекламу (Точн усуму потрібно уточнити в експертів).</a:t>
+              <a:t>1) Витрати на рекламу: планується залучення крупних компаній і взаєморозкрутка.</a:t>
             </a:r>
             <a:endParaRPr/>
           </a:p>
@@ -4214,14 +4207,14 @@
               </a:lnSpc>
             </a:pPr>
             <a:r>
-              <a:rPr lang="en-US" sz="2800" strike="noStrike">
+              <a:rPr lang="en-US" sz="2800">
                 <a:solidFill>
                   <a:srgbClr val="000000"/>
                 </a:solidFill>
                 <a:latin typeface="Times New Roman"/>
                 <a:ea typeface="DejaVu Sans"/>
               </a:rPr>
-              <a:t>2) Витрати на модернізацію та підтримку: $3000.</a:t>
+              <a:t>2) Витрати на модернізацію та підтримку: $10 000.</a:t>
             </a:r>
             <a:endParaRPr/>
           </a:p>
@@ -4284,12 +4277,14 @@
         </p:nvPicPr>
         <p:blipFill>
           <a:blip r:embed="rId1"/>
-          <a:stretch/>
+          <a:stretch>
+            <a:fillRect/>
+          </a:stretch>
         </p:blipFill>
         <p:spPr>
           <a:xfrm>
             <a:off x="0" y="0"/>
-            <a:ext cx="10654200" cy="7558560"/>
+            <a:ext cx="10653840" cy="7558200"/>
           </a:xfrm>
           <a:prstGeom prst="rect">
             <a:avLst/>
@@ -4308,7 +4303,7 @@
         <p:spPr>
           <a:xfrm>
             <a:off x="2643120" y="1285920"/>
-            <a:ext cx="5942520" cy="516240"/>
+            <a:ext cx="5942160" cy="515880"/>
           </a:xfrm>
           <a:prstGeom prst="rect">
             <a:avLst/>
@@ -4318,12 +4313,6 @@
             <a:noFill/>
           </a:ln>
         </p:spPr>
-        <p:style>
-          <a:lnRef idx="0"/>
-          <a:fillRef idx="0"/>
-          <a:effectRef idx="0"/>
-          <a:fontRef idx="minor"/>
-        </p:style>
         <p:txBody>
           <a:bodyPr lIns="90000" rIns="90000" tIns="45000" bIns="45000"/>
           <a:p>
@@ -4333,7 +4322,7 @@
               </a:lnSpc>
             </a:pPr>
             <a:r>
-              <a:rPr lang="en-US" sz="2800" strike="noStrike">
+              <a:rPr lang="en-US" sz="2800">
                 <a:solidFill>
                   <a:srgbClr val="000000"/>
                 </a:solidFill>
